--- a/ppt/03_編輯器與第一個 Java 程式.pptx
+++ b/ppt/03_編輯器與第一個 Java 程式.pptx
@@ -24,8 +24,8 @@
     <p:sldId id="274" r:id="rId15"/>
     <p:sldId id="275" r:id="rId16"/>
     <p:sldId id="276" r:id="rId17"/>
-    <p:sldId id="271" r:id="rId18"/>
-    <p:sldId id="272" r:id="rId19"/>
+    <p:sldId id="272" r:id="rId18"/>
+    <p:sldId id="271" r:id="rId19"/>
   </p:sldIdLst>
   <p:sldSz cx="12192000" cy="6858000"/>
   <p:notesSz cx="6858000" cy="9144000"/>
@@ -214,7 +214,7 @@
           <a:p>
             <a:fld id="{7CB51037-9A88-43F8-8062-A2DDD941B0DA}" type="datetimeFigureOut">
               <a:rPr lang="zh-TW" altLang="en-US" smtClean="0"/>
-              <a:t>2024/9/6</a:t>
+              <a:t>2024/9/12</a:t>
             </a:fld>
             <a:endParaRPr lang="zh-TW" altLang="en-US"/>
           </a:p>
@@ -704,7 +704,7 @@
     </p:spTree>
     <p:extLst>
       <p:ext uri="{BB962C8B-B14F-4D97-AF65-F5344CB8AC3E}">
-        <p14:creationId xmlns:p14="http://schemas.microsoft.com/office/powerpoint/2010/main" val="3417935688"/>
+        <p14:creationId xmlns:p14="http://schemas.microsoft.com/office/powerpoint/2010/main" val="29522989"/>
       </p:ext>
     </p:extLst>
   </p:cSld>
@@ -853,7 +853,7 @@
     </p:spTree>
     <p:extLst>
       <p:ext uri="{BB962C8B-B14F-4D97-AF65-F5344CB8AC3E}">
-        <p14:creationId xmlns:p14="http://schemas.microsoft.com/office/powerpoint/2010/main" val="29522989"/>
+        <p14:creationId xmlns:p14="http://schemas.microsoft.com/office/powerpoint/2010/main" val="3417935688"/>
       </p:ext>
     </p:extLst>
   </p:cSld>
@@ -12155,6 +12155,890 @@
           <a:p>
             <a:r>
               <a:rPr lang="zh-TW" altLang="en-US"/>
+              <a:t>開啟 </a:t>
+            </a:r>
+            <a:r>
+              <a:rPr lang="en-US" altLang="zh-TW"/>
+              <a:t>PowerShell</a:t>
+            </a:r>
+            <a:r>
+              <a:rPr lang="zh-TW" altLang="en-US"/>
+              <a:t> </a:t>
+            </a:r>
+            <a:r>
+              <a:rPr lang="en-US" altLang="zh-TW"/>
+              <a:t>/</a:t>
+            </a:r>
+            <a:r>
+              <a:rPr lang="zh-TW" altLang="en-US"/>
+              <a:t> </a:t>
+            </a:r>
+            <a:r>
+              <a:rPr lang="en-US" altLang="zh-TW"/>
+              <a:t>cmd</a:t>
+            </a:r>
+            <a:endParaRPr lang="zh-TW" altLang="en-US"/>
+          </a:p>
+        </p:txBody>
+      </p:sp>
+      <p:sp>
+        <p:nvSpPr>
+          <p:cNvPr id="4" name="內容版面配置區 3">
+            <a:extLst>
+              <a:ext uri="{FF2B5EF4-FFF2-40B4-BE49-F238E27FC236}">
+                <a16:creationId xmlns:a16="http://schemas.microsoft.com/office/drawing/2014/main" id="{C0B4A68A-EEAA-4220-82DB-398B567DDF5C}"/>
+              </a:ext>
+            </a:extLst>
+          </p:cNvPr>
+          <p:cNvSpPr>
+            <a:spLocks noGrp="1"/>
+          </p:cNvSpPr>
+          <p:nvPr>
+            <p:ph idx="1"/>
+          </p:nvPr>
+        </p:nvSpPr>
+        <p:spPr>
+          <a:xfrm>
+            <a:off x="726302" y="1493121"/>
+            <a:ext cx="6985000" cy="1603375"/>
+          </a:xfrm>
+        </p:spPr>
+        <p:txBody>
+          <a:bodyPr>
+            <a:normAutofit/>
+          </a:bodyPr>
+          <a:lstStyle/>
+          <a:p>
+            <a:r>
+              <a:rPr lang="zh-TW" altLang="en-US"/>
+              <a:t>在資料夾位置開啟 </a:t>
+            </a:r>
+            <a:r>
+              <a:rPr lang="en-US" altLang="zh-TW">
+                <a:solidFill>
+                  <a:srgbClr val="00B0F0"/>
+                </a:solidFill>
+              </a:rPr>
+              <a:t>PowerShell</a:t>
+            </a:r>
+            <a:r>
+              <a:rPr lang="zh-TW" altLang="en-US"/>
+              <a:t>：</a:t>
+            </a:r>
+            <a:endParaRPr lang="en-US" altLang="zh-TW"/>
+          </a:p>
+          <a:p>
+            <a:r>
+              <a:rPr lang="en-US" altLang="zh-TW"/>
+              <a:t>1.</a:t>
+            </a:r>
+            <a:r>
+              <a:rPr lang="zh-TW" altLang="en-US"/>
+              <a:t> </a:t>
+            </a:r>
+            <a:r>
+              <a:rPr lang="en-US" altLang="zh-TW">
+                <a:solidFill>
+                  <a:srgbClr val="92D050"/>
+                </a:solidFill>
+              </a:rPr>
+              <a:t>Shift + </a:t>
+            </a:r>
+            <a:r>
+              <a:rPr lang="zh-TW" altLang="en-US">
+                <a:solidFill>
+                  <a:srgbClr val="92D050"/>
+                </a:solidFill>
+              </a:rPr>
+              <a:t>右鍵</a:t>
+            </a:r>
+            <a:r>
+              <a:rPr lang="zh-TW" altLang="en-US"/>
+              <a:t>彈出選單</a:t>
+            </a:r>
+            <a:endParaRPr lang="en-US" altLang="zh-TW"/>
+          </a:p>
+          <a:p>
+            <a:r>
+              <a:rPr lang="en-US" altLang="zh-TW"/>
+              <a:t>2.</a:t>
+            </a:r>
+            <a:r>
+              <a:rPr lang="zh-TW" altLang="en-US"/>
+              <a:t> 選擇「</a:t>
+            </a:r>
+            <a:r>
+              <a:rPr lang="zh-TW" altLang="en-US">
+                <a:solidFill>
+                  <a:srgbClr val="92D050"/>
+                </a:solidFill>
+              </a:rPr>
+              <a:t>在這裡開啟 </a:t>
+            </a:r>
+            <a:r>
+              <a:rPr lang="en-US" altLang="zh-TW">
+                <a:solidFill>
+                  <a:srgbClr val="92D050"/>
+                </a:solidFill>
+              </a:rPr>
+              <a:t>PowerShell</a:t>
+            </a:r>
+            <a:r>
+              <a:rPr lang="zh-TW" altLang="en-US">
+                <a:solidFill>
+                  <a:srgbClr val="92D050"/>
+                </a:solidFill>
+              </a:rPr>
+              <a:t> 視窗</a:t>
+            </a:r>
+            <a:r>
+              <a:rPr lang="zh-TW" altLang="en-US"/>
+              <a:t>」</a:t>
+            </a:r>
+            <a:endParaRPr lang="en-US" altLang="zh-TW"/>
+          </a:p>
+        </p:txBody>
+      </p:sp>
+      <p:grpSp>
+        <p:nvGrpSpPr>
+          <p:cNvPr id="8" name="群組 7">
+            <a:extLst>
+              <a:ext uri="{FF2B5EF4-FFF2-40B4-BE49-F238E27FC236}">
+                <a16:creationId xmlns:a16="http://schemas.microsoft.com/office/drawing/2014/main" id="{2EEAE90C-0EDC-4037-9B37-D7AD3BDD4154}"/>
+              </a:ext>
+            </a:extLst>
+          </p:cNvPr>
+          <p:cNvGrpSpPr/>
+          <p:nvPr/>
+        </p:nvGrpSpPr>
+        <p:grpSpPr>
+          <a:xfrm>
+            <a:off x="8360407" y="1488486"/>
+            <a:ext cx="3281405" cy="4910389"/>
+            <a:chOff x="7773369" y="1350106"/>
+            <a:chExt cx="2667372" cy="3991532"/>
+          </a:xfrm>
+        </p:grpSpPr>
+        <p:pic>
+          <p:nvPicPr>
+            <p:cNvPr id="7" name="圖片 6">
+              <a:extLst>
+                <a:ext uri="{FF2B5EF4-FFF2-40B4-BE49-F238E27FC236}">
+                  <a16:creationId xmlns:a16="http://schemas.microsoft.com/office/drawing/2014/main" id="{F738BC1D-C416-4AD5-91F3-F1B78583DEF5}"/>
+                </a:ext>
+              </a:extLst>
+            </p:cNvPr>
+            <p:cNvPicPr>
+              <a:picLocks noChangeAspect="1"/>
+            </p:cNvPicPr>
+            <p:nvPr/>
+          </p:nvPicPr>
+          <p:blipFill>
+            <a:blip r:embed="rId3"/>
+            <a:stretch>
+              <a:fillRect/>
+            </a:stretch>
+          </p:blipFill>
+          <p:spPr>
+            <a:xfrm>
+              <a:off x="7773369" y="1350106"/>
+              <a:ext cx="2667372" cy="3991532"/>
+            </a:xfrm>
+            <a:prstGeom prst="rect">
+              <a:avLst/>
+            </a:prstGeom>
+          </p:spPr>
+        </p:pic>
+        <p:sp>
+          <p:nvSpPr>
+            <p:cNvPr id="16" name="矩形: 圓角 15">
+              <a:extLst>
+                <a:ext uri="{FF2B5EF4-FFF2-40B4-BE49-F238E27FC236}">
+                  <a16:creationId xmlns:a16="http://schemas.microsoft.com/office/drawing/2014/main" id="{BD2FB56C-6E98-487F-9692-661AF2CC171E}"/>
+                </a:ext>
+              </a:extLst>
+            </p:cNvPr>
+            <p:cNvSpPr/>
+            <p:nvPr/>
+          </p:nvSpPr>
+          <p:spPr>
+            <a:xfrm>
+              <a:off x="8072471" y="3639127"/>
+              <a:ext cx="1694887" cy="166255"/>
+            </a:xfrm>
+            <a:prstGeom prst="roundRect">
+              <a:avLst/>
+            </a:prstGeom>
+            <a:noFill/>
+            <a:ln w="28575">
+              <a:solidFill>
+                <a:srgbClr val="FF0000"/>
+              </a:solidFill>
+            </a:ln>
+          </p:spPr>
+          <p:style>
+            <a:lnRef idx="2">
+              <a:schemeClr val="accent1">
+                <a:shade val="50000"/>
+              </a:schemeClr>
+            </a:lnRef>
+            <a:fillRef idx="1">
+              <a:schemeClr val="accent1"/>
+            </a:fillRef>
+            <a:effectRef idx="0">
+              <a:schemeClr val="accent1"/>
+            </a:effectRef>
+            <a:fontRef idx="minor">
+              <a:schemeClr val="lt1"/>
+            </a:fontRef>
+          </p:style>
+          <p:txBody>
+            <a:bodyPr rtlCol="0" anchor="ctr"/>
+            <a:lstStyle/>
+            <a:p>
+              <a:pPr marL="0" marR="0" lvl="0" indent="0" algn="ctr" defTabSz="914400" rtl="0" eaLnBrk="1" fontAlgn="auto" latinLnBrk="0" hangingPunct="1">
+                <a:lnSpc>
+                  <a:spcPct val="100000"/>
+                </a:lnSpc>
+                <a:spcBef>
+                  <a:spcPts val="0"/>
+                </a:spcBef>
+                <a:spcAft>
+                  <a:spcPts val="0"/>
+                </a:spcAft>
+                <a:buClrTx/>
+                <a:buSzTx/>
+                <a:buFontTx/>
+                <a:buNone/>
+                <a:tabLst/>
+                <a:defRPr/>
+              </a:pPr>
+              <a:endParaRPr kumimoji="0" lang="zh-TW" altLang="en-US" sz="1800" b="0" i="0" u="none" strike="noStrike" kern="1200" cap="none" spc="0" normalizeH="0" baseline="0" noProof="0">
+                <a:ln>
+                  <a:noFill/>
+                </a:ln>
+                <a:solidFill>
+                  <a:prstClr val="white"/>
+                </a:solidFill>
+                <a:effectLst/>
+                <a:uLnTx/>
+                <a:uFillTx/>
+                <a:latin typeface="Consolas"/>
+                <a:ea typeface="微軟正黑體 Light"/>
+                <a:cs typeface="+mn-cs"/>
+              </a:endParaRPr>
+            </a:p>
+          </p:txBody>
+        </p:sp>
+      </p:grpSp>
+      <p:sp>
+        <p:nvSpPr>
+          <p:cNvPr id="18" name="內容版面配置區 3">
+            <a:extLst>
+              <a:ext uri="{FF2B5EF4-FFF2-40B4-BE49-F238E27FC236}">
+                <a16:creationId xmlns:a16="http://schemas.microsoft.com/office/drawing/2014/main" id="{1F0E216D-6C12-47B5-9C9D-9129FB0EFF64}"/>
+              </a:ext>
+            </a:extLst>
+          </p:cNvPr>
+          <p:cNvSpPr txBox="1">
+            <a:spLocks/>
+          </p:cNvSpPr>
+          <p:nvPr/>
+        </p:nvSpPr>
+        <p:spPr>
+          <a:xfrm>
+            <a:off x="726301" y="3093172"/>
+            <a:ext cx="7453560" cy="1093066"/>
+          </a:xfrm>
+          <a:prstGeom prst="rect">
+            <a:avLst/>
+          </a:prstGeom>
+        </p:spPr>
+        <p:txBody>
+          <a:bodyPr vert="horz" lIns="91440" tIns="45720" rIns="91440" bIns="45720" rtlCol="0">
+            <a:normAutofit/>
+          </a:bodyPr>
+          <a:lstStyle>
+            <a:lvl1pPr marL="0" indent="0" algn="l" defTabSz="914400" rtl="0" eaLnBrk="1" latinLnBrk="0" hangingPunct="1">
+              <a:lnSpc>
+                <a:spcPct val="90000"/>
+              </a:lnSpc>
+              <a:spcBef>
+                <a:spcPts val="1000"/>
+              </a:spcBef>
+              <a:buFont typeface="Arial" panose="020B0604020202020204" pitchFamily="34" charset="0"/>
+              <a:buNone/>
+              <a:defRPr sz="2800" kern="1200">
+                <a:solidFill>
+                  <a:schemeClr val="tx1"/>
+                </a:solidFill>
+                <a:latin typeface="+mn-lt"/>
+                <a:ea typeface="+mn-ea"/>
+                <a:cs typeface="+mn-cs"/>
+              </a:defRPr>
+            </a:lvl1pPr>
+            <a:lvl2pPr marL="457200" indent="0" algn="l" defTabSz="914400" rtl="0" eaLnBrk="1" latinLnBrk="0" hangingPunct="1">
+              <a:lnSpc>
+                <a:spcPct val="90000"/>
+              </a:lnSpc>
+              <a:spcBef>
+                <a:spcPts val="500"/>
+              </a:spcBef>
+              <a:buFont typeface="Arial" panose="020B0604020202020204" pitchFamily="34" charset="0"/>
+              <a:buNone/>
+              <a:defRPr sz="2400" kern="1200">
+                <a:solidFill>
+                  <a:schemeClr val="tx1"/>
+                </a:solidFill>
+                <a:latin typeface="+mn-lt"/>
+                <a:ea typeface="+mn-ea"/>
+                <a:cs typeface="+mn-cs"/>
+              </a:defRPr>
+            </a:lvl2pPr>
+            <a:lvl3pPr marL="914400" indent="0" algn="l" defTabSz="914400" rtl="0" eaLnBrk="1" latinLnBrk="0" hangingPunct="1">
+              <a:lnSpc>
+                <a:spcPct val="90000"/>
+              </a:lnSpc>
+              <a:spcBef>
+                <a:spcPts val="500"/>
+              </a:spcBef>
+              <a:buFont typeface="Arial" panose="020B0604020202020204" pitchFamily="34" charset="0"/>
+              <a:buNone/>
+              <a:defRPr sz="2000" kern="1200">
+                <a:solidFill>
+                  <a:schemeClr val="tx1"/>
+                </a:solidFill>
+                <a:latin typeface="+mn-lt"/>
+                <a:ea typeface="+mn-ea"/>
+                <a:cs typeface="+mn-cs"/>
+              </a:defRPr>
+            </a:lvl3pPr>
+            <a:lvl4pPr marL="1371600" indent="0" algn="l" defTabSz="914400" rtl="0" eaLnBrk="1" latinLnBrk="0" hangingPunct="1">
+              <a:lnSpc>
+                <a:spcPct val="90000"/>
+              </a:lnSpc>
+              <a:spcBef>
+                <a:spcPts val="500"/>
+              </a:spcBef>
+              <a:buFont typeface="Arial" panose="020B0604020202020204" pitchFamily="34" charset="0"/>
+              <a:buNone/>
+              <a:defRPr sz="1800" kern="1200">
+                <a:solidFill>
+                  <a:schemeClr val="tx1"/>
+                </a:solidFill>
+                <a:latin typeface="+mn-lt"/>
+                <a:ea typeface="+mn-ea"/>
+                <a:cs typeface="+mn-cs"/>
+              </a:defRPr>
+            </a:lvl4pPr>
+            <a:lvl5pPr marL="1828800" indent="0" algn="l" defTabSz="914400" rtl="0" eaLnBrk="1" latinLnBrk="0" hangingPunct="1">
+              <a:lnSpc>
+                <a:spcPct val="90000"/>
+              </a:lnSpc>
+              <a:spcBef>
+                <a:spcPts val="500"/>
+              </a:spcBef>
+              <a:buFont typeface="Arial" panose="020B0604020202020204" pitchFamily="34" charset="0"/>
+              <a:buNone/>
+              <a:defRPr sz="1800" kern="1200">
+                <a:solidFill>
+                  <a:schemeClr val="tx1"/>
+                </a:solidFill>
+                <a:latin typeface="+mn-lt"/>
+                <a:ea typeface="+mn-ea"/>
+                <a:cs typeface="+mn-cs"/>
+              </a:defRPr>
+            </a:lvl5pPr>
+            <a:lvl6pPr marL="2514600" indent="-228600" algn="l" defTabSz="914400" rtl="0" eaLnBrk="1" latinLnBrk="0" hangingPunct="1">
+              <a:lnSpc>
+                <a:spcPct val="90000"/>
+              </a:lnSpc>
+              <a:spcBef>
+                <a:spcPts val="500"/>
+              </a:spcBef>
+              <a:buFont typeface="Arial" panose="020B0604020202020204" pitchFamily="34" charset="0"/>
+              <a:buChar char="•"/>
+              <a:defRPr sz="1800" kern="1200">
+                <a:solidFill>
+                  <a:schemeClr val="tx1"/>
+                </a:solidFill>
+                <a:latin typeface="+mn-lt"/>
+                <a:ea typeface="+mn-ea"/>
+                <a:cs typeface="+mn-cs"/>
+              </a:defRPr>
+            </a:lvl6pPr>
+            <a:lvl7pPr marL="2971800" indent="-228600" algn="l" defTabSz="914400" rtl="0" eaLnBrk="1" latinLnBrk="0" hangingPunct="1">
+              <a:lnSpc>
+                <a:spcPct val="90000"/>
+              </a:lnSpc>
+              <a:spcBef>
+                <a:spcPts val="500"/>
+              </a:spcBef>
+              <a:buFont typeface="Arial" panose="020B0604020202020204" pitchFamily="34" charset="0"/>
+              <a:buChar char="•"/>
+              <a:defRPr sz="1800" kern="1200">
+                <a:solidFill>
+                  <a:schemeClr val="tx1"/>
+                </a:solidFill>
+                <a:latin typeface="+mn-lt"/>
+                <a:ea typeface="+mn-ea"/>
+                <a:cs typeface="+mn-cs"/>
+              </a:defRPr>
+            </a:lvl7pPr>
+            <a:lvl8pPr marL="3429000" indent="-228600" algn="l" defTabSz="914400" rtl="0" eaLnBrk="1" latinLnBrk="0" hangingPunct="1">
+              <a:lnSpc>
+                <a:spcPct val="90000"/>
+              </a:lnSpc>
+              <a:spcBef>
+                <a:spcPts val="500"/>
+              </a:spcBef>
+              <a:buFont typeface="Arial" panose="020B0604020202020204" pitchFamily="34" charset="0"/>
+              <a:buChar char="•"/>
+              <a:defRPr sz="1800" kern="1200">
+                <a:solidFill>
+                  <a:schemeClr val="tx1"/>
+                </a:solidFill>
+                <a:latin typeface="+mn-lt"/>
+                <a:ea typeface="+mn-ea"/>
+                <a:cs typeface="+mn-cs"/>
+              </a:defRPr>
+            </a:lvl8pPr>
+            <a:lvl9pPr marL="3886200" indent="-228600" algn="l" defTabSz="914400" rtl="0" eaLnBrk="1" latinLnBrk="0" hangingPunct="1">
+              <a:lnSpc>
+                <a:spcPct val="90000"/>
+              </a:lnSpc>
+              <a:spcBef>
+                <a:spcPts val="500"/>
+              </a:spcBef>
+              <a:buFont typeface="Arial" panose="020B0604020202020204" pitchFamily="34" charset="0"/>
+              <a:buChar char="•"/>
+              <a:defRPr sz="1800" kern="1200">
+                <a:solidFill>
+                  <a:schemeClr val="tx1"/>
+                </a:solidFill>
+                <a:latin typeface="+mn-lt"/>
+                <a:ea typeface="+mn-ea"/>
+                <a:cs typeface="+mn-cs"/>
+              </a:defRPr>
+            </a:lvl9pPr>
+          </a:lstStyle>
+          <a:p>
+            <a:pPr marL="0" marR="0" lvl="0" indent="0" algn="l" defTabSz="914400" rtl="0" eaLnBrk="1" fontAlgn="auto" latinLnBrk="0" hangingPunct="1">
+              <a:lnSpc>
+                <a:spcPct val="90000"/>
+              </a:lnSpc>
+              <a:spcBef>
+                <a:spcPts val="1000"/>
+              </a:spcBef>
+              <a:spcAft>
+                <a:spcPts val="0"/>
+              </a:spcAft>
+              <a:buClrTx/>
+              <a:buSzTx/>
+              <a:buFont typeface="Arial" panose="020B0604020202020204" pitchFamily="34" charset="0"/>
+              <a:buNone/>
+              <a:tabLst/>
+              <a:defRPr/>
+            </a:pPr>
+            <a:r>
+              <a:rPr kumimoji="0" lang="zh-TW" altLang="en-US" sz="2800" b="0" i="0" u="none" strike="noStrike" kern="1200" cap="none" spc="0" normalizeH="0" baseline="0" noProof="0">
+                <a:ln>
+                  <a:noFill/>
+                </a:ln>
+                <a:solidFill>
+                  <a:prstClr val="white"/>
+                </a:solidFill>
+                <a:effectLst/>
+                <a:uLnTx/>
+                <a:uFillTx/>
+                <a:latin typeface="Consolas"/>
+                <a:ea typeface="微軟正黑體 Light"/>
+                <a:cs typeface="+mn-cs"/>
+              </a:rPr>
+              <a:t>在資料夾位置開啟 </a:t>
+            </a:r>
+            <a:r>
+              <a:rPr kumimoji="0" lang="en-US" altLang="zh-TW" sz="2800" b="0" i="0" u="none" strike="noStrike" kern="1200" cap="none" spc="0" normalizeH="0" baseline="0" noProof="0">
+                <a:ln>
+                  <a:noFill/>
+                </a:ln>
+                <a:solidFill>
+                  <a:srgbClr val="00B0F0"/>
+                </a:solidFill>
+                <a:effectLst/>
+                <a:uLnTx/>
+                <a:uFillTx/>
+                <a:latin typeface="Consolas"/>
+                <a:ea typeface="微軟正黑體 Light"/>
+                <a:cs typeface="+mn-cs"/>
+              </a:rPr>
+              <a:t>cmd</a:t>
+            </a:r>
+            <a:r>
+              <a:rPr kumimoji="0" lang="zh-TW" altLang="en-US" sz="2800" b="0" i="0" u="none" strike="noStrike" kern="1200" cap="none" spc="0" normalizeH="0" baseline="0" noProof="0">
+                <a:ln>
+                  <a:noFill/>
+                </a:ln>
+                <a:solidFill>
+                  <a:prstClr val="white"/>
+                </a:solidFill>
+                <a:effectLst/>
+                <a:uLnTx/>
+                <a:uFillTx/>
+                <a:latin typeface="Consolas"/>
+                <a:ea typeface="微軟正黑體 Light"/>
+                <a:cs typeface="+mn-cs"/>
+              </a:rPr>
+              <a:t>：</a:t>
+            </a:r>
+            <a:endParaRPr kumimoji="0" lang="en-US" altLang="zh-TW" sz="2800" b="0" i="0" u="none" strike="noStrike" kern="1200" cap="none" spc="0" normalizeH="0" baseline="0" noProof="0">
+              <a:ln>
+                <a:noFill/>
+              </a:ln>
+              <a:solidFill>
+                <a:prstClr val="white"/>
+              </a:solidFill>
+              <a:effectLst/>
+              <a:uLnTx/>
+              <a:uFillTx/>
+              <a:latin typeface="Consolas"/>
+              <a:ea typeface="微軟正黑體 Light"/>
+              <a:cs typeface="+mn-cs"/>
+            </a:endParaRPr>
+          </a:p>
+          <a:p>
+            <a:pPr marL="0" marR="0" lvl="0" indent="0" algn="l" defTabSz="914400" rtl="0" eaLnBrk="1" fontAlgn="auto" latinLnBrk="0" hangingPunct="1">
+              <a:lnSpc>
+                <a:spcPct val="90000"/>
+              </a:lnSpc>
+              <a:spcBef>
+                <a:spcPts val="1000"/>
+              </a:spcBef>
+              <a:spcAft>
+                <a:spcPts val="0"/>
+              </a:spcAft>
+              <a:buClrTx/>
+              <a:buSzTx/>
+              <a:buFont typeface="Arial" panose="020B0604020202020204" pitchFamily="34" charset="0"/>
+              <a:buNone/>
+              <a:tabLst/>
+              <a:defRPr/>
+            </a:pPr>
+            <a:r>
+              <a:rPr kumimoji="0" lang="zh-TW" altLang="en-US" sz="2800" b="0" i="0" u="none" strike="noStrike" kern="1200" cap="none" spc="0" normalizeH="0" baseline="0" noProof="0">
+                <a:ln>
+                  <a:noFill/>
+                </a:ln>
+                <a:solidFill>
+                  <a:prstClr val="white"/>
+                </a:solidFill>
+                <a:effectLst/>
+                <a:uLnTx/>
+                <a:uFillTx/>
+                <a:latin typeface="Consolas"/>
+                <a:ea typeface="微軟正黑體 Light"/>
+                <a:cs typeface="+mn-cs"/>
+              </a:rPr>
+              <a:t>在上方路徑欄輸入 </a:t>
+            </a:r>
+            <a:r>
+              <a:rPr kumimoji="0" lang="en-US" altLang="zh-TW" sz="2800" b="0" i="0" u="none" strike="noStrike" kern="1200" cap="none" spc="0" normalizeH="0" baseline="0" noProof="0">
+                <a:ln>
+                  <a:noFill/>
+                </a:ln>
+                <a:solidFill>
+                  <a:prstClr val="white"/>
+                </a:solidFill>
+                <a:effectLst/>
+                <a:uLnTx/>
+                <a:uFillTx/>
+                <a:latin typeface="Consolas"/>
+                <a:ea typeface="微軟正黑體 Light"/>
+                <a:cs typeface="+mn-cs"/>
+              </a:rPr>
+              <a:t>"</a:t>
+            </a:r>
+            <a:r>
+              <a:rPr kumimoji="0" lang="en-US" altLang="zh-TW" sz="2800" b="0" i="0" u="none" strike="noStrike" kern="1200" cap="none" spc="0" normalizeH="0" baseline="0" noProof="0">
+                <a:ln>
+                  <a:noFill/>
+                </a:ln>
+                <a:solidFill>
+                  <a:srgbClr val="92D050"/>
+                </a:solidFill>
+                <a:effectLst/>
+                <a:uLnTx/>
+                <a:uFillTx/>
+                <a:latin typeface="Consolas"/>
+                <a:ea typeface="微軟正黑體 Light"/>
+                <a:cs typeface="+mn-cs"/>
+              </a:rPr>
+              <a:t>cmd</a:t>
+            </a:r>
+            <a:r>
+              <a:rPr kumimoji="0" lang="en-US" altLang="zh-TW" sz="2800" b="0" i="0" u="none" strike="noStrike" kern="1200" cap="none" spc="0" normalizeH="0" baseline="0" noProof="0">
+                <a:ln>
+                  <a:noFill/>
+                </a:ln>
+                <a:solidFill>
+                  <a:prstClr val="white"/>
+                </a:solidFill>
+                <a:effectLst/>
+                <a:uLnTx/>
+                <a:uFillTx/>
+                <a:latin typeface="Consolas"/>
+                <a:ea typeface="微軟正黑體 Light"/>
+                <a:cs typeface="+mn-cs"/>
+              </a:rPr>
+              <a:t>" </a:t>
+            </a:r>
+            <a:r>
+              <a:rPr kumimoji="0" lang="zh-TW" altLang="en-US" sz="2800" b="0" i="0" u="none" strike="noStrike" kern="1200" cap="none" spc="0" normalizeH="0" baseline="0" noProof="0">
+                <a:ln>
+                  <a:noFill/>
+                </a:ln>
+                <a:solidFill>
+                  <a:prstClr val="white"/>
+                </a:solidFill>
+                <a:effectLst/>
+                <a:uLnTx/>
+                <a:uFillTx/>
+                <a:latin typeface="Consolas"/>
+                <a:ea typeface="微軟正黑體 Light"/>
+                <a:cs typeface="+mn-cs"/>
+              </a:rPr>
+              <a:t>然後按下 </a:t>
+            </a:r>
+            <a:r>
+              <a:rPr kumimoji="0" lang="en-US" altLang="zh-TW" sz="2800" b="0" i="0" u="none" strike="noStrike" kern="1200" cap="none" spc="0" normalizeH="0" baseline="0" noProof="0">
+                <a:ln>
+                  <a:noFill/>
+                </a:ln>
+                <a:solidFill>
+                  <a:prstClr val="white"/>
+                </a:solidFill>
+                <a:effectLst/>
+                <a:uLnTx/>
+                <a:uFillTx/>
+                <a:latin typeface="Consolas"/>
+                <a:ea typeface="微軟正黑體 Light"/>
+                <a:cs typeface="+mn-cs"/>
+              </a:rPr>
+              <a:t>"</a:t>
+            </a:r>
+            <a:r>
+              <a:rPr lang="en-US" altLang="zh-TW">
+                <a:solidFill>
+                  <a:srgbClr val="92D050"/>
+                </a:solidFill>
+                <a:latin typeface="Consolas"/>
+                <a:ea typeface="微軟正黑體 Light"/>
+              </a:rPr>
+              <a:t>E</a:t>
+            </a:r>
+            <a:r>
+              <a:rPr kumimoji="0" lang="en-US" altLang="zh-TW" sz="2800" b="0" i="0" u="none" strike="noStrike" kern="1200" cap="none" spc="0" normalizeH="0" baseline="0" noProof="0">
+                <a:ln>
+                  <a:noFill/>
+                </a:ln>
+                <a:solidFill>
+                  <a:srgbClr val="92D050"/>
+                </a:solidFill>
+                <a:effectLst/>
+                <a:uLnTx/>
+                <a:uFillTx/>
+                <a:latin typeface="Consolas"/>
+                <a:ea typeface="微軟正黑體 Light"/>
+                <a:cs typeface="+mn-cs"/>
+              </a:rPr>
+              <a:t>nter</a:t>
+            </a:r>
+            <a:r>
+              <a:rPr kumimoji="0" lang="en-US" altLang="zh-TW" sz="2800" b="0" i="0" u="none" strike="noStrike" kern="1200" cap="none" spc="0" normalizeH="0" baseline="0" noProof="0">
+                <a:ln>
+                  <a:noFill/>
+                </a:ln>
+                <a:solidFill>
+                  <a:prstClr val="white"/>
+                </a:solidFill>
+                <a:effectLst/>
+                <a:uLnTx/>
+                <a:uFillTx/>
+                <a:latin typeface="Consolas"/>
+                <a:ea typeface="微軟正黑體 Light"/>
+                <a:cs typeface="+mn-cs"/>
+              </a:rPr>
+              <a:t>"</a:t>
+            </a:r>
+          </a:p>
+        </p:txBody>
+      </p:sp>
+      <p:pic>
+        <p:nvPicPr>
+          <p:cNvPr id="12" name="圖片 11">
+            <a:extLst>
+              <a:ext uri="{FF2B5EF4-FFF2-40B4-BE49-F238E27FC236}">
+                <a16:creationId xmlns:a16="http://schemas.microsoft.com/office/drawing/2014/main" id="{67BD9747-19D3-47AD-9AB9-A5BEC6602F08}"/>
+              </a:ext>
+            </a:extLst>
+          </p:cNvPr>
+          <p:cNvPicPr>
+            <a:picLocks noChangeAspect="1"/>
+          </p:cNvPicPr>
+          <p:nvPr/>
+        </p:nvPicPr>
+        <p:blipFill rotWithShape="1">
+          <a:blip r:embed="rId4"/>
+          <a:srcRect l="305" t="380" r="420" b="59436"/>
+          <a:stretch/>
+        </p:blipFill>
+        <p:spPr>
+          <a:xfrm>
+            <a:off x="747733" y="4186238"/>
+            <a:ext cx="6988969" cy="2212638"/>
+          </a:xfrm>
+          <a:prstGeom prst="rect">
+            <a:avLst/>
+          </a:prstGeom>
+        </p:spPr>
+      </p:pic>
+      <p:sp>
+        <p:nvSpPr>
+          <p:cNvPr id="20" name="矩形: 圓角 19">
+            <a:extLst>
+              <a:ext uri="{FF2B5EF4-FFF2-40B4-BE49-F238E27FC236}">
+                <a16:creationId xmlns:a16="http://schemas.microsoft.com/office/drawing/2014/main" id="{8A466E6A-91E9-4827-9885-50B79A9749FD}"/>
+              </a:ext>
+            </a:extLst>
+          </p:cNvPr>
+          <p:cNvSpPr/>
+          <p:nvPr/>
+        </p:nvSpPr>
+        <p:spPr>
+          <a:xfrm>
+            <a:off x="2681779" y="4576489"/>
+            <a:ext cx="2573711" cy="449262"/>
+          </a:xfrm>
+          <a:prstGeom prst="roundRect">
+            <a:avLst/>
+          </a:prstGeom>
+          <a:noFill/>
+          <a:ln w="28575">
+            <a:solidFill>
+              <a:srgbClr val="FF0000"/>
+            </a:solidFill>
+          </a:ln>
+        </p:spPr>
+        <p:style>
+          <a:lnRef idx="2">
+            <a:schemeClr val="accent1">
+              <a:shade val="50000"/>
+            </a:schemeClr>
+          </a:lnRef>
+          <a:fillRef idx="1">
+            <a:schemeClr val="accent1"/>
+          </a:fillRef>
+          <a:effectRef idx="0">
+            <a:schemeClr val="accent1"/>
+          </a:effectRef>
+          <a:fontRef idx="minor">
+            <a:schemeClr val="lt1"/>
+          </a:fontRef>
+        </p:style>
+        <p:txBody>
+          <a:bodyPr rtlCol="0" anchor="ctr"/>
+          <a:lstStyle/>
+          <a:p>
+            <a:pPr marL="0" marR="0" lvl="0" indent="0" algn="ctr" defTabSz="914400" rtl="0" eaLnBrk="1" fontAlgn="auto" latinLnBrk="0" hangingPunct="1">
+              <a:lnSpc>
+                <a:spcPct val="100000"/>
+              </a:lnSpc>
+              <a:spcBef>
+                <a:spcPts val="0"/>
+              </a:spcBef>
+              <a:spcAft>
+                <a:spcPts val="0"/>
+              </a:spcAft>
+              <a:buClrTx/>
+              <a:buSzTx/>
+              <a:buFontTx/>
+              <a:buNone/>
+              <a:tabLst/>
+              <a:defRPr/>
+            </a:pPr>
+            <a:endParaRPr kumimoji="0" lang="zh-TW" altLang="en-US" sz="1800" b="0" i="0" u="none" strike="noStrike" kern="1200" cap="none" spc="0" normalizeH="0" baseline="0" noProof="0">
+              <a:ln>
+                <a:noFill/>
+              </a:ln>
+              <a:solidFill>
+                <a:prstClr val="white"/>
+              </a:solidFill>
+              <a:effectLst/>
+              <a:uLnTx/>
+              <a:uFillTx/>
+              <a:latin typeface="Consolas"/>
+              <a:ea typeface="微軟正黑體 Light"/>
+              <a:cs typeface="+mn-cs"/>
+            </a:endParaRPr>
+          </a:p>
+        </p:txBody>
+      </p:sp>
+    </p:spTree>
+    <p:extLst>
+      <p:ext uri="{BB962C8B-B14F-4D97-AF65-F5344CB8AC3E}">
+        <p14:creationId xmlns:p14="http://schemas.microsoft.com/office/powerpoint/2010/main" val="4170020892"/>
+      </p:ext>
+    </p:extLst>
+  </p:cSld>
+  <p:clrMapOvr>
+    <a:masterClrMapping/>
+  </p:clrMapOvr>
+  <p:transition spd="slow">
+    <p:push dir="u"/>
+  </p:transition>
+</p:sld>
+</file>
+
+<file path=ppt/slides/slide18.xml><?xml version="1.0" encoding="utf-8"?>
+<p:sld xmlns:a="http://schemas.openxmlformats.org/drawingml/2006/main" xmlns:r="http://schemas.openxmlformats.org/officeDocument/2006/relationships" xmlns:p="http://schemas.openxmlformats.org/presentationml/2006/main">
+  <p:cSld>
+    <p:spTree>
+      <p:nvGrpSpPr>
+        <p:cNvPr id="1" name=""/>
+        <p:cNvGrpSpPr/>
+        <p:nvPr/>
+      </p:nvGrpSpPr>
+      <p:grpSpPr>
+        <a:xfrm>
+          <a:off x="0" y="0"/>
+          <a:ext cx="0" cy="0"/>
+          <a:chOff x="0" y="0"/>
+          <a:chExt cx="0" cy="0"/>
+        </a:xfrm>
+      </p:grpSpPr>
+      <p:sp>
+        <p:nvSpPr>
+          <p:cNvPr id="2" name="標題 1">
+            <a:extLst>
+              <a:ext uri="{FF2B5EF4-FFF2-40B4-BE49-F238E27FC236}">
+                <a16:creationId xmlns:a16="http://schemas.microsoft.com/office/drawing/2014/main" id="{9F2EE2D1-8102-410E-A569-41AEBA690F58}"/>
+              </a:ext>
+            </a:extLst>
+          </p:cNvPr>
+          <p:cNvSpPr>
+            <a:spLocks noGrp="1"/>
+          </p:cNvSpPr>
+          <p:nvPr>
+            <p:ph type="title"/>
+          </p:nvPr>
+        </p:nvSpPr>
+        <p:spPr/>
+        <p:txBody>
+          <a:bodyPr/>
+          <a:lstStyle/>
+          <a:p>
+            <a:r>
+              <a:rPr lang="zh-TW" altLang="en-US"/>
               <a:t>編譯與執行</a:t>
             </a:r>
           </a:p>
@@ -12193,8 +13077,16 @@
               <a:t>在 </a:t>
             </a:r>
             <a:r>
+              <a:rPr lang="en-US" altLang="zh-TW">
+                <a:solidFill>
+                  <a:srgbClr val="00B0F0"/>
+                </a:solidFill>
+              </a:rPr>
+              <a:t>bash/cmd/PowerShell</a:t>
+            </a:r>
+            <a:r>
               <a:rPr lang="en-US" altLang="zh-TW"/>
-              <a:t>bash/cmd/PowerShell </a:t>
+              <a:t> </a:t>
             </a:r>
             <a:r>
               <a:rPr lang="zh-TW" altLang="en-US"/>
@@ -12537,7 +13429,41 @@
                 <a:ea typeface="微軟正黑體 Light"/>
                 <a:cs typeface="+mn-cs"/>
               </a:rPr>
-              <a:t>".java"</a:t>
+              <a:t>"</a:t>
+            </a:r>
+            <a:r>
+              <a:rPr kumimoji="0" lang="en-US" altLang="zh-TW" sz="2800" b="0" i="0" u="none" strike="noStrike" kern="1200" cap="none" spc="0" normalizeH="0" baseline="0" noProof="0">
+                <a:ln>
+                  <a:noFill/>
+                </a:ln>
+                <a:solidFill>
+                  <a:srgbClr val="92D050"/>
+                </a:solidFill>
+                <a:effectLst/>
+                <a:uLnTx/>
+                <a:uFillTx/>
+                <a:latin typeface="Consolas"/>
+                <a:ea typeface="微軟正黑體 Light"/>
+                <a:cs typeface="+mn-cs"/>
+              </a:rPr>
+              <a:t>.java</a:t>
+            </a:r>
+            <a:r>
+              <a:rPr kumimoji="0" lang="en-US" altLang="zh-TW" sz="2800" b="0" i="0" u="none" strike="noStrike" kern="1200" cap="none" spc="0" normalizeH="0" baseline="0" noProof="0">
+                <a:ln>
+                  <a:noFill/>
+                </a:ln>
+                <a:solidFill>
+                  <a:prstClr val="white"/>
+                </a:solidFill>
+                <a:effectLst/>
+                <a:uLnTx/>
+                <a:uFillTx/>
+                <a:latin typeface="Consolas"/>
+                <a:ea typeface="微軟正黑體 Light"/>
+                <a:cs typeface="+mn-cs"/>
+              </a:rPr>
+              <a:t>"</a:t>
             </a:r>
             <a:r>
               <a:rPr kumimoji="0" lang="zh-TW" altLang="en-US" sz="2800" b="0" i="0" u="none" strike="noStrike" kern="1200" cap="none" spc="0" normalizeH="0" baseline="0" noProof="0">
@@ -12859,15 +13785,15 @@
                 <a:ea typeface="微軟正黑體 Light"/>
                 <a:cs typeface="+mn-cs"/>
               </a:rPr>
-              <a:t>".\Main.java"</a:t>
-            </a:r>
-            <a:r>
-              <a:rPr kumimoji="0" lang="zh-TW" altLang="en-US" sz="2800" b="0" i="0" u="none" strike="noStrike" kern="1200" cap="none" spc="0" normalizeH="0" baseline="0" noProof="0">
+              <a:t>"</a:t>
+            </a:r>
+            <a:r>
+              <a:rPr kumimoji="0" lang="en-US" altLang="zh-TW" sz="2800" b="0" i="0" u="none" strike="noStrike" kern="1200" cap="none" spc="0" normalizeH="0" baseline="0" noProof="0">
                 <a:ln>
                   <a:noFill/>
                 </a:ln>
                 <a:solidFill>
-                  <a:prstClr val="white"/>
+                  <a:srgbClr val="92D050"/>
                 </a:solidFill>
                 <a:effectLst/>
                 <a:uLnTx/>
@@ -12876,7 +13802,7 @@
                 <a:ea typeface="微軟正黑體 Light"/>
                 <a:cs typeface="+mn-cs"/>
               </a:rPr>
-              <a:t> 中</a:t>
+              <a:t>.\Main.java</a:t>
             </a:r>
             <a:r>
               <a:rPr kumimoji="0" lang="en-US" altLang="zh-TW" sz="2800" b="0" i="0" u="none" strike="noStrike" kern="1200" cap="none" spc="0" normalizeH="0" baseline="0" noProof="0">
@@ -12893,7 +13819,7 @@
                 <a:ea typeface="微軟正黑體 Light"/>
                 <a:cs typeface="+mn-cs"/>
               </a:rPr>
-              <a:t> "." </a:t>
+              <a:t>"</a:t>
             </a:r>
             <a:r>
               <a:rPr kumimoji="0" lang="zh-TW" altLang="en-US" sz="2800" b="0" i="0" u="none" strike="noStrike" kern="1200" cap="none" spc="0" normalizeH="0" baseline="0" noProof="0">
@@ -12910,7 +13836,7 @@
                 <a:ea typeface="微軟正黑體 Light"/>
                 <a:cs typeface="+mn-cs"/>
               </a:rPr>
-              <a:t>指的是「當前資料夾」，</a:t>
+              <a:t> 中</a:t>
             </a:r>
             <a:r>
               <a:rPr kumimoji="0" lang="en-US" altLang="zh-TW" sz="2800" b="0" i="0" u="none" strike="noStrike" kern="1200" cap="none" spc="0" normalizeH="0" baseline="0" noProof="0">
@@ -12927,7 +13853,75 @@
                 <a:ea typeface="微軟正黑體 Light"/>
                 <a:cs typeface="+mn-cs"/>
               </a:rPr>
-              <a:t>"\"</a:t>
+              <a:t> "." </a:t>
+            </a:r>
+            <a:r>
+              <a:rPr kumimoji="0" lang="zh-TW" altLang="en-US" sz="2800" b="0" i="0" u="none" strike="noStrike" kern="1200" cap="none" spc="0" normalizeH="0" baseline="0" noProof="0">
+                <a:ln>
+                  <a:noFill/>
+                </a:ln>
+                <a:solidFill>
+                  <a:prstClr val="white"/>
+                </a:solidFill>
+                <a:effectLst/>
+                <a:uLnTx/>
+                <a:uFillTx/>
+                <a:latin typeface="Consolas"/>
+                <a:ea typeface="微軟正黑體 Light"/>
+                <a:cs typeface="+mn-cs"/>
+              </a:rPr>
+              <a:t>指的是「當前資料夾」，</a:t>
+            </a:r>
+            <a:r>
+              <a:rPr kumimoji="0" lang="en-US" altLang="zh-TW" sz="2800" b="0" i="0" u="none" strike="noStrike" kern="1200" cap="none" spc="0" normalizeH="0" baseline="0" noProof="0">
+                <a:ln>
+                  <a:noFill/>
+                </a:ln>
+                <a:solidFill>
+                  <a:prstClr val="white"/>
+                </a:solidFill>
+                <a:effectLst/>
+                <a:uLnTx/>
+                <a:uFillTx/>
+                <a:latin typeface="Consolas"/>
+                <a:ea typeface="微軟正黑體 Light"/>
+                <a:cs typeface="+mn-cs"/>
+              </a:rPr>
+              <a:t>"</a:t>
+            </a:r>
+            <a:r>
+              <a:rPr kumimoji="0" lang="en-US" altLang="zh-TW" sz="2800" b="0" i="0" u="none" strike="noStrike" kern="1200" cap="none" spc="0" normalizeH="0" baseline="0" noProof="0">
+                <a:ln>
+                  <a:noFill/>
+                </a:ln>
+                <a:solidFill>
+                  <a:srgbClr val="92D050"/>
+                </a:solidFill>
+                <a:effectLst/>
+                <a:uLnTx/>
+                <a:uFillTx/>
+                <a:latin typeface="Consolas"/>
+                <a:ea typeface="微軟正黑體 Light"/>
+                <a:cs typeface="+mn-cs"/>
+              </a:rPr>
+              <a:t>\</a:t>
+            </a:r>
+            <a:r>
+              <a:rPr kumimoji="0" lang="en-US" altLang="zh-TW" sz="2800" b="0" i="0" u="none" strike="noStrike" kern="1200" cap="none" spc="0" normalizeH="0" baseline="0" noProof="0">
+                <a:ln>
+                  <a:noFill/>
+                </a:ln>
+                <a:solidFill>
+                  <a:prstClr val="white"/>
+                </a:solidFill>
+                <a:effectLst/>
+                <a:uLnTx/>
+                <a:uFillTx/>
+                <a:latin typeface="Consolas"/>
+                <a:ea typeface="微軟正黑體 Light"/>
+                <a:cs typeface="+mn-cs"/>
+              </a:rPr>
+              <a:t>"</a:t>
             </a:r>
             <a:r>
               <a:rPr kumimoji="0" lang="zh-TW" altLang="en-US" sz="2800" b="0" i="0" u="none" strike="noStrike" kern="1200" cap="none" spc="0" normalizeH="0" baseline="0" noProof="0">
@@ -13011,15 +14005,15 @@
                 <a:ea typeface="微軟正黑體 Light"/>
                 <a:cs typeface="+mn-cs"/>
               </a:rPr>
-              <a:t>".\Main.java"</a:t>
-            </a:r>
-            <a:r>
-              <a:rPr kumimoji="0" lang="zh-TW" altLang="en-US" sz="2800" b="0" i="0" u="none" strike="noStrike" kern="1200" cap="none" spc="0" normalizeH="0" baseline="0" noProof="0">
+              <a:t>"</a:t>
+            </a:r>
+            <a:r>
+              <a:rPr kumimoji="0" lang="en-US" altLang="zh-TW" sz="2800" b="0" i="0" u="none" strike="noStrike" kern="1200" cap="none" spc="0" normalizeH="0" baseline="0" noProof="0">
                 <a:ln>
                   <a:noFill/>
                 </a:ln>
                 <a:solidFill>
-                  <a:prstClr val="white"/>
+                  <a:srgbClr val="92D050"/>
                 </a:solidFill>
                 <a:effectLst/>
                 <a:uLnTx/>
@@ -13028,7 +14022,7 @@
                 <a:ea typeface="微軟正黑體 Light"/>
                 <a:cs typeface="+mn-cs"/>
               </a:rPr>
-              <a:t> 和 </a:t>
+              <a:t>.\Main.java</a:t>
             </a:r>
             <a:r>
               <a:rPr kumimoji="0" lang="en-US" altLang="zh-TW" sz="2800" b="0" i="0" u="none" strike="noStrike" kern="1200" cap="none" spc="0" normalizeH="0" baseline="0" noProof="0">
@@ -13045,7 +14039,75 @@
                 <a:ea typeface="微軟正黑體 Light"/>
                 <a:cs typeface="+mn-cs"/>
               </a:rPr>
-              <a:t>"Main.java"</a:t>
+              <a:t>"</a:t>
+            </a:r>
+            <a:r>
+              <a:rPr kumimoji="0" lang="zh-TW" altLang="en-US" sz="2800" b="0" i="0" u="none" strike="noStrike" kern="1200" cap="none" spc="0" normalizeH="0" baseline="0" noProof="0">
+                <a:ln>
+                  <a:noFill/>
+                </a:ln>
+                <a:solidFill>
+                  <a:prstClr val="white"/>
+                </a:solidFill>
+                <a:effectLst/>
+                <a:uLnTx/>
+                <a:uFillTx/>
+                <a:latin typeface="Consolas"/>
+                <a:ea typeface="微軟正黑體 Light"/>
+                <a:cs typeface="+mn-cs"/>
+              </a:rPr>
+              <a:t> 和 </a:t>
+            </a:r>
+            <a:r>
+              <a:rPr kumimoji="0" lang="en-US" altLang="zh-TW" sz="2800" b="0" i="0" u="none" strike="noStrike" kern="1200" cap="none" spc="0" normalizeH="0" baseline="0" noProof="0">
+                <a:ln>
+                  <a:noFill/>
+                </a:ln>
+                <a:solidFill>
+                  <a:prstClr val="white"/>
+                </a:solidFill>
+                <a:effectLst/>
+                <a:uLnTx/>
+                <a:uFillTx/>
+                <a:latin typeface="Consolas"/>
+                <a:ea typeface="微軟正黑體 Light"/>
+                <a:cs typeface="+mn-cs"/>
+              </a:rPr>
+              <a:t>"</a:t>
+            </a:r>
+            <a:r>
+              <a:rPr kumimoji="0" lang="en-US" altLang="zh-TW" sz="2800" b="0" i="0" u="none" strike="noStrike" kern="1200" cap="none" spc="0" normalizeH="0" baseline="0" noProof="0">
+                <a:ln>
+                  <a:noFill/>
+                </a:ln>
+                <a:solidFill>
+                  <a:srgbClr val="92D050"/>
+                </a:solidFill>
+                <a:effectLst/>
+                <a:uLnTx/>
+                <a:uFillTx/>
+                <a:latin typeface="Consolas"/>
+                <a:ea typeface="微軟正黑體 Light"/>
+                <a:cs typeface="+mn-cs"/>
+              </a:rPr>
+              <a:t>Main.java</a:t>
+            </a:r>
+            <a:r>
+              <a:rPr kumimoji="0" lang="en-US" altLang="zh-TW" sz="2800" b="0" i="0" u="none" strike="noStrike" kern="1200" cap="none" spc="0" normalizeH="0" baseline="0" noProof="0">
+                <a:ln>
+                  <a:noFill/>
+                </a:ln>
+                <a:solidFill>
+                  <a:prstClr val="white"/>
+                </a:solidFill>
+                <a:effectLst/>
+                <a:uLnTx/>
+                <a:uFillTx/>
+                <a:latin typeface="Consolas"/>
+                <a:ea typeface="微軟正黑體 Light"/>
+                <a:cs typeface="+mn-cs"/>
+              </a:rPr>
+              <a:t>"</a:t>
             </a:r>
             <a:r>
               <a:rPr kumimoji="0" lang="zh-TW" altLang="en-US" sz="2800" b="0" i="0" u="none" strike="noStrike" kern="1200" cap="none" spc="0" normalizeH="0" baseline="0" noProof="0">
@@ -13524,770 +14586,6 @@
     <p:extLst>
       <p:ext uri="{BB962C8B-B14F-4D97-AF65-F5344CB8AC3E}">
         <p14:creationId xmlns:p14="http://schemas.microsoft.com/office/powerpoint/2010/main" val="398684073"/>
-      </p:ext>
-    </p:extLst>
-  </p:cSld>
-  <p:clrMapOvr>
-    <a:masterClrMapping/>
-  </p:clrMapOvr>
-  <p:transition spd="slow">
-    <p:push dir="u"/>
-  </p:transition>
-</p:sld>
-</file>
-
-<file path=ppt/slides/slide18.xml><?xml version="1.0" encoding="utf-8"?>
-<p:sld xmlns:a="http://schemas.openxmlformats.org/drawingml/2006/main" xmlns:r="http://schemas.openxmlformats.org/officeDocument/2006/relationships" xmlns:p="http://schemas.openxmlformats.org/presentationml/2006/main">
-  <p:cSld>
-    <p:spTree>
-      <p:nvGrpSpPr>
-        <p:cNvPr id="1" name=""/>
-        <p:cNvGrpSpPr/>
-        <p:nvPr/>
-      </p:nvGrpSpPr>
-      <p:grpSpPr>
-        <a:xfrm>
-          <a:off x="0" y="0"/>
-          <a:ext cx="0" cy="0"/>
-          <a:chOff x="0" y="0"/>
-          <a:chExt cx="0" cy="0"/>
-        </a:xfrm>
-      </p:grpSpPr>
-      <p:sp>
-        <p:nvSpPr>
-          <p:cNvPr id="2" name="標題 1">
-            <a:extLst>
-              <a:ext uri="{FF2B5EF4-FFF2-40B4-BE49-F238E27FC236}">
-                <a16:creationId xmlns:a16="http://schemas.microsoft.com/office/drawing/2014/main" id="{9F2EE2D1-8102-410E-A569-41AEBA690F58}"/>
-              </a:ext>
-            </a:extLst>
-          </p:cNvPr>
-          <p:cNvSpPr>
-            <a:spLocks noGrp="1"/>
-          </p:cNvSpPr>
-          <p:nvPr>
-            <p:ph type="title"/>
-          </p:nvPr>
-        </p:nvSpPr>
-        <p:spPr/>
-        <p:txBody>
-          <a:bodyPr/>
-          <a:lstStyle/>
-          <a:p>
-            <a:r>
-              <a:rPr lang="zh-TW" altLang="en-US"/>
-              <a:t>開啟 </a:t>
-            </a:r>
-            <a:r>
-              <a:rPr lang="en-US" altLang="zh-TW"/>
-              <a:t>PowerShell</a:t>
-            </a:r>
-            <a:r>
-              <a:rPr lang="zh-TW" altLang="en-US"/>
-              <a:t> </a:t>
-            </a:r>
-            <a:r>
-              <a:rPr lang="en-US" altLang="zh-TW"/>
-              <a:t>/</a:t>
-            </a:r>
-            <a:r>
-              <a:rPr lang="zh-TW" altLang="en-US"/>
-              <a:t> </a:t>
-            </a:r>
-            <a:r>
-              <a:rPr lang="en-US" altLang="zh-TW"/>
-              <a:t>cmd</a:t>
-            </a:r>
-            <a:endParaRPr lang="zh-TW" altLang="en-US"/>
-          </a:p>
-        </p:txBody>
-      </p:sp>
-      <p:sp>
-        <p:nvSpPr>
-          <p:cNvPr id="4" name="內容版面配置區 3">
-            <a:extLst>
-              <a:ext uri="{FF2B5EF4-FFF2-40B4-BE49-F238E27FC236}">
-                <a16:creationId xmlns:a16="http://schemas.microsoft.com/office/drawing/2014/main" id="{C0B4A68A-EEAA-4220-82DB-398B567DDF5C}"/>
-              </a:ext>
-            </a:extLst>
-          </p:cNvPr>
-          <p:cNvSpPr>
-            <a:spLocks noGrp="1"/>
-          </p:cNvSpPr>
-          <p:nvPr>
-            <p:ph idx="1"/>
-          </p:nvPr>
-        </p:nvSpPr>
-        <p:spPr>
-          <a:xfrm>
-            <a:off x="838200" y="1493121"/>
-            <a:ext cx="6985000" cy="1603375"/>
-          </a:xfrm>
-        </p:spPr>
-        <p:txBody>
-          <a:bodyPr>
-            <a:normAutofit/>
-          </a:bodyPr>
-          <a:lstStyle/>
-          <a:p>
-            <a:r>
-              <a:rPr lang="zh-TW" altLang="en-US"/>
-              <a:t>在資料夾位置開啟 </a:t>
-            </a:r>
-            <a:r>
-              <a:rPr lang="en-US" altLang="zh-TW"/>
-              <a:t>PowerShell</a:t>
-            </a:r>
-            <a:r>
-              <a:rPr lang="zh-TW" altLang="en-US"/>
-              <a:t>：</a:t>
-            </a:r>
-            <a:endParaRPr lang="en-US" altLang="zh-TW"/>
-          </a:p>
-          <a:p>
-            <a:pPr marL="514350" indent="-514350">
-              <a:buAutoNum type="arabicPeriod"/>
-            </a:pPr>
-            <a:r>
-              <a:rPr lang="en-US" altLang="zh-TW"/>
-              <a:t>shift + </a:t>
-            </a:r>
-            <a:r>
-              <a:rPr lang="zh-TW" altLang="en-US"/>
-              <a:t>右鍵 彈出選單</a:t>
-            </a:r>
-            <a:endParaRPr lang="en-US" altLang="zh-TW"/>
-          </a:p>
-          <a:p>
-            <a:pPr marL="514350" indent="-514350">
-              <a:buAutoNum type="arabicPeriod"/>
-            </a:pPr>
-            <a:r>
-              <a:rPr lang="zh-TW" altLang="en-US"/>
-              <a:t>選擇「在這裡開啟 </a:t>
-            </a:r>
-            <a:r>
-              <a:rPr lang="en-US" altLang="zh-TW"/>
-              <a:t>PowerShell</a:t>
-            </a:r>
-            <a:r>
-              <a:rPr lang="zh-TW" altLang="en-US"/>
-              <a:t> 視窗」</a:t>
-            </a:r>
-            <a:endParaRPr lang="en-US" altLang="zh-TW"/>
-          </a:p>
-        </p:txBody>
-      </p:sp>
-      <p:grpSp>
-        <p:nvGrpSpPr>
-          <p:cNvPr id="8" name="群組 7">
-            <a:extLst>
-              <a:ext uri="{FF2B5EF4-FFF2-40B4-BE49-F238E27FC236}">
-                <a16:creationId xmlns:a16="http://schemas.microsoft.com/office/drawing/2014/main" id="{2EEAE90C-0EDC-4037-9B37-D7AD3BDD4154}"/>
-              </a:ext>
-            </a:extLst>
-          </p:cNvPr>
-          <p:cNvGrpSpPr/>
-          <p:nvPr/>
-        </p:nvGrpSpPr>
-        <p:grpSpPr>
-          <a:xfrm>
-            <a:off x="8291759" y="1488486"/>
-            <a:ext cx="3281405" cy="4910389"/>
-            <a:chOff x="7773369" y="1350106"/>
-            <a:chExt cx="2667372" cy="3991532"/>
-          </a:xfrm>
-        </p:grpSpPr>
-        <p:pic>
-          <p:nvPicPr>
-            <p:cNvPr id="7" name="圖片 6">
-              <a:extLst>
-                <a:ext uri="{FF2B5EF4-FFF2-40B4-BE49-F238E27FC236}">
-                  <a16:creationId xmlns:a16="http://schemas.microsoft.com/office/drawing/2014/main" id="{F738BC1D-C416-4AD5-91F3-F1B78583DEF5}"/>
-                </a:ext>
-              </a:extLst>
-            </p:cNvPr>
-            <p:cNvPicPr>
-              <a:picLocks noChangeAspect="1"/>
-            </p:cNvPicPr>
-            <p:nvPr/>
-          </p:nvPicPr>
-          <p:blipFill>
-            <a:blip r:embed="rId3"/>
-            <a:stretch>
-              <a:fillRect/>
-            </a:stretch>
-          </p:blipFill>
-          <p:spPr>
-            <a:xfrm>
-              <a:off x="7773369" y="1350106"/>
-              <a:ext cx="2667372" cy="3991532"/>
-            </a:xfrm>
-            <a:prstGeom prst="rect">
-              <a:avLst/>
-            </a:prstGeom>
-          </p:spPr>
-        </p:pic>
-        <p:sp>
-          <p:nvSpPr>
-            <p:cNvPr id="16" name="矩形: 圓角 15">
-              <a:extLst>
-                <a:ext uri="{FF2B5EF4-FFF2-40B4-BE49-F238E27FC236}">
-                  <a16:creationId xmlns:a16="http://schemas.microsoft.com/office/drawing/2014/main" id="{BD2FB56C-6E98-487F-9692-661AF2CC171E}"/>
-                </a:ext>
-              </a:extLst>
-            </p:cNvPr>
-            <p:cNvSpPr/>
-            <p:nvPr/>
-          </p:nvSpPr>
-          <p:spPr>
-            <a:xfrm>
-              <a:off x="8072471" y="3639127"/>
-              <a:ext cx="1694887" cy="166255"/>
-            </a:xfrm>
-            <a:prstGeom prst="roundRect">
-              <a:avLst/>
-            </a:prstGeom>
-            <a:noFill/>
-            <a:ln w="28575">
-              <a:solidFill>
-                <a:srgbClr val="FF0000"/>
-              </a:solidFill>
-            </a:ln>
-          </p:spPr>
-          <p:style>
-            <a:lnRef idx="2">
-              <a:schemeClr val="accent1">
-                <a:shade val="50000"/>
-              </a:schemeClr>
-            </a:lnRef>
-            <a:fillRef idx="1">
-              <a:schemeClr val="accent1"/>
-            </a:fillRef>
-            <a:effectRef idx="0">
-              <a:schemeClr val="accent1"/>
-            </a:effectRef>
-            <a:fontRef idx="minor">
-              <a:schemeClr val="lt1"/>
-            </a:fontRef>
-          </p:style>
-          <p:txBody>
-            <a:bodyPr rtlCol="0" anchor="ctr"/>
-            <a:lstStyle/>
-            <a:p>
-              <a:pPr marL="0" marR="0" lvl="0" indent="0" algn="ctr" defTabSz="914400" rtl="0" eaLnBrk="1" fontAlgn="auto" latinLnBrk="0" hangingPunct="1">
-                <a:lnSpc>
-                  <a:spcPct val="100000"/>
-                </a:lnSpc>
-                <a:spcBef>
-                  <a:spcPts val="0"/>
-                </a:spcBef>
-                <a:spcAft>
-                  <a:spcPts val="0"/>
-                </a:spcAft>
-                <a:buClrTx/>
-                <a:buSzTx/>
-                <a:buFontTx/>
-                <a:buNone/>
-                <a:tabLst/>
-                <a:defRPr/>
-              </a:pPr>
-              <a:endParaRPr kumimoji="0" lang="zh-TW" altLang="en-US" sz="1800" b="0" i="0" u="none" strike="noStrike" kern="1200" cap="none" spc="0" normalizeH="0" baseline="0" noProof="0">
-                <a:ln>
-                  <a:noFill/>
-                </a:ln>
-                <a:solidFill>
-                  <a:prstClr val="white"/>
-                </a:solidFill>
-                <a:effectLst/>
-                <a:uLnTx/>
-                <a:uFillTx/>
-                <a:latin typeface="Consolas"/>
-                <a:ea typeface="微軟正黑體 Light"/>
-                <a:cs typeface="+mn-cs"/>
-              </a:endParaRPr>
-            </a:p>
-          </p:txBody>
-        </p:sp>
-      </p:grpSp>
-      <p:sp>
-        <p:nvSpPr>
-          <p:cNvPr id="18" name="內容版面配置區 3">
-            <a:extLst>
-              <a:ext uri="{FF2B5EF4-FFF2-40B4-BE49-F238E27FC236}">
-                <a16:creationId xmlns:a16="http://schemas.microsoft.com/office/drawing/2014/main" id="{1F0E216D-6C12-47B5-9C9D-9129FB0EFF64}"/>
-              </a:ext>
-            </a:extLst>
-          </p:cNvPr>
-          <p:cNvSpPr txBox="1">
-            <a:spLocks/>
-          </p:cNvSpPr>
-          <p:nvPr/>
-        </p:nvSpPr>
-        <p:spPr>
-          <a:xfrm>
-            <a:off x="838200" y="3093172"/>
-            <a:ext cx="7167420" cy="1093066"/>
-          </a:xfrm>
-          <a:prstGeom prst="rect">
-            <a:avLst/>
-          </a:prstGeom>
-        </p:spPr>
-        <p:txBody>
-          <a:bodyPr vert="horz" lIns="91440" tIns="45720" rIns="91440" bIns="45720" rtlCol="0">
-            <a:normAutofit/>
-          </a:bodyPr>
-          <a:lstStyle>
-            <a:lvl1pPr marL="0" indent="0" algn="l" defTabSz="914400" rtl="0" eaLnBrk="1" latinLnBrk="0" hangingPunct="1">
-              <a:lnSpc>
-                <a:spcPct val="90000"/>
-              </a:lnSpc>
-              <a:spcBef>
-                <a:spcPts val="1000"/>
-              </a:spcBef>
-              <a:buFont typeface="Arial" panose="020B0604020202020204" pitchFamily="34" charset="0"/>
-              <a:buNone/>
-              <a:defRPr sz="2800" kern="1200">
-                <a:solidFill>
-                  <a:schemeClr val="tx1"/>
-                </a:solidFill>
-                <a:latin typeface="+mn-lt"/>
-                <a:ea typeface="+mn-ea"/>
-                <a:cs typeface="+mn-cs"/>
-              </a:defRPr>
-            </a:lvl1pPr>
-            <a:lvl2pPr marL="457200" indent="0" algn="l" defTabSz="914400" rtl="0" eaLnBrk="1" latinLnBrk="0" hangingPunct="1">
-              <a:lnSpc>
-                <a:spcPct val="90000"/>
-              </a:lnSpc>
-              <a:spcBef>
-                <a:spcPts val="500"/>
-              </a:spcBef>
-              <a:buFont typeface="Arial" panose="020B0604020202020204" pitchFamily="34" charset="0"/>
-              <a:buNone/>
-              <a:defRPr sz="2400" kern="1200">
-                <a:solidFill>
-                  <a:schemeClr val="tx1"/>
-                </a:solidFill>
-                <a:latin typeface="+mn-lt"/>
-                <a:ea typeface="+mn-ea"/>
-                <a:cs typeface="+mn-cs"/>
-              </a:defRPr>
-            </a:lvl2pPr>
-            <a:lvl3pPr marL="914400" indent="0" algn="l" defTabSz="914400" rtl="0" eaLnBrk="1" latinLnBrk="0" hangingPunct="1">
-              <a:lnSpc>
-                <a:spcPct val="90000"/>
-              </a:lnSpc>
-              <a:spcBef>
-                <a:spcPts val="500"/>
-              </a:spcBef>
-              <a:buFont typeface="Arial" panose="020B0604020202020204" pitchFamily="34" charset="0"/>
-              <a:buNone/>
-              <a:defRPr sz="2000" kern="1200">
-                <a:solidFill>
-                  <a:schemeClr val="tx1"/>
-                </a:solidFill>
-                <a:latin typeface="+mn-lt"/>
-                <a:ea typeface="+mn-ea"/>
-                <a:cs typeface="+mn-cs"/>
-              </a:defRPr>
-            </a:lvl3pPr>
-            <a:lvl4pPr marL="1371600" indent="0" algn="l" defTabSz="914400" rtl="0" eaLnBrk="1" latinLnBrk="0" hangingPunct="1">
-              <a:lnSpc>
-                <a:spcPct val="90000"/>
-              </a:lnSpc>
-              <a:spcBef>
-                <a:spcPts val="500"/>
-              </a:spcBef>
-              <a:buFont typeface="Arial" panose="020B0604020202020204" pitchFamily="34" charset="0"/>
-              <a:buNone/>
-              <a:defRPr sz="1800" kern="1200">
-                <a:solidFill>
-                  <a:schemeClr val="tx1"/>
-                </a:solidFill>
-                <a:latin typeface="+mn-lt"/>
-                <a:ea typeface="+mn-ea"/>
-                <a:cs typeface="+mn-cs"/>
-              </a:defRPr>
-            </a:lvl4pPr>
-            <a:lvl5pPr marL="1828800" indent="0" algn="l" defTabSz="914400" rtl="0" eaLnBrk="1" latinLnBrk="0" hangingPunct="1">
-              <a:lnSpc>
-                <a:spcPct val="90000"/>
-              </a:lnSpc>
-              <a:spcBef>
-                <a:spcPts val="500"/>
-              </a:spcBef>
-              <a:buFont typeface="Arial" panose="020B0604020202020204" pitchFamily="34" charset="0"/>
-              <a:buNone/>
-              <a:defRPr sz="1800" kern="1200">
-                <a:solidFill>
-                  <a:schemeClr val="tx1"/>
-                </a:solidFill>
-                <a:latin typeface="+mn-lt"/>
-                <a:ea typeface="+mn-ea"/>
-                <a:cs typeface="+mn-cs"/>
-              </a:defRPr>
-            </a:lvl5pPr>
-            <a:lvl6pPr marL="2514600" indent="-228600" algn="l" defTabSz="914400" rtl="0" eaLnBrk="1" latinLnBrk="0" hangingPunct="1">
-              <a:lnSpc>
-                <a:spcPct val="90000"/>
-              </a:lnSpc>
-              <a:spcBef>
-                <a:spcPts val="500"/>
-              </a:spcBef>
-              <a:buFont typeface="Arial" panose="020B0604020202020204" pitchFamily="34" charset="0"/>
-              <a:buChar char="•"/>
-              <a:defRPr sz="1800" kern="1200">
-                <a:solidFill>
-                  <a:schemeClr val="tx1"/>
-                </a:solidFill>
-                <a:latin typeface="+mn-lt"/>
-                <a:ea typeface="+mn-ea"/>
-                <a:cs typeface="+mn-cs"/>
-              </a:defRPr>
-            </a:lvl6pPr>
-            <a:lvl7pPr marL="2971800" indent="-228600" algn="l" defTabSz="914400" rtl="0" eaLnBrk="1" latinLnBrk="0" hangingPunct="1">
-              <a:lnSpc>
-                <a:spcPct val="90000"/>
-              </a:lnSpc>
-              <a:spcBef>
-                <a:spcPts val="500"/>
-              </a:spcBef>
-              <a:buFont typeface="Arial" panose="020B0604020202020204" pitchFamily="34" charset="0"/>
-              <a:buChar char="•"/>
-              <a:defRPr sz="1800" kern="1200">
-                <a:solidFill>
-                  <a:schemeClr val="tx1"/>
-                </a:solidFill>
-                <a:latin typeface="+mn-lt"/>
-                <a:ea typeface="+mn-ea"/>
-                <a:cs typeface="+mn-cs"/>
-              </a:defRPr>
-            </a:lvl7pPr>
-            <a:lvl8pPr marL="3429000" indent="-228600" algn="l" defTabSz="914400" rtl="0" eaLnBrk="1" latinLnBrk="0" hangingPunct="1">
-              <a:lnSpc>
-                <a:spcPct val="90000"/>
-              </a:lnSpc>
-              <a:spcBef>
-                <a:spcPts val="500"/>
-              </a:spcBef>
-              <a:buFont typeface="Arial" panose="020B0604020202020204" pitchFamily="34" charset="0"/>
-              <a:buChar char="•"/>
-              <a:defRPr sz="1800" kern="1200">
-                <a:solidFill>
-                  <a:schemeClr val="tx1"/>
-                </a:solidFill>
-                <a:latin typeface="+mn-lt"/>
-                <a:ea typeface="+mn-ea"/>
-                <a:cs typeface="+mn-cs"/>
-              </a:defRPr>
-            </a:lvl8pPr>
-            <a:lvl9pPr marL="3886200" indent="-228600" algn="l" defTabSz="914400" rtl="0" eaLnBrk="1" latinLnBrk="0" hangingPunct="1">
-              <a:lnSpc>
-                <a:spcPct val="90000"/>
-              </a:lnSpc>
-              <a:spcBef>
-                <a:spcPts val="500"/>
-              </a:spcBef>
-              <a:buFont typeface="Arial" panose="020B0604020202020204" pitchFamily="34" charset="0"/>
-              <a:buChar char="•"/>
-              <a:defRPr sz="1800" kern="1200">
-                <a:solidFill>
-                  <a:schemeClr val="tx1"/>
-                </a:solidFill>
-                <a:latin typeface="+mn-lt"/>
-                <a:ea typeface="+mn-ea"/>
-                <a:cs typeface="+mn-cs"/>
-              </a:defRPr>
-            </a:lvl9pPr>
-          </a:lstStyle>
-          <a:p>
-            <a:pPr marL="0" marR="0" lvl="0" indent="0" algn="l" defTabSz="914400" rtl="0" eaLnBrk="1" fontAlgn="auto" latinLnBrk="0" hangingPunct="1">
-              <a:lnSpc>
-                <a:spcPct val="90000"/>
-              </a:lnSpc>
-              <a:spcBef>
-                <a:spcPts val="1000"/>
-              </a:spcBef>
-              <a:spcAft>
-                <a:spcPts val="0"/>
-              </a:spcAft>
-              <a:buClrTx/>
-              <a:buSzTx/>
-              <a:buFont typeface="Arial" panose="020B0604020202020204" pitchFamily="34" charset="0"/>
-              <a:buNone/>
-              <a:tabLst/>
-              <a:defRPr/>
-            </a:pPr>
-            <a:r>
-              <a:rPr kumimoji="0" lang="zh-TW" altLang="en-US" sz="2800" b="0" i="0" u="none" strike="noStrike" kern="1200" cap="none" spc="0" normalizeH="0" baseline="0" noProof="0">
-                <a:ln>
-                  <a:noFill/>
-                </a:ln>
-                <a:solidFill>
-                  <a:prstClr val="white"/>
-                </a:solidFill>
-                <a:effectLst/>
-                <a:uLnTx/>
-                <a:uFillTx/>
-                <a:latin typeface="Consolas"/>
-                <a:ea typeface="微軟正黑體 Light"/>
-                <a:cs typeface="+mn-cs"/>
-              </a:rPr>
-              <a:t>在資料夾位置開啟 </a:t>
-            </a:r>
-            <a:r>
-              <a:rPr kumimoji="0" lang="en-US" altLang="zh-TW" sz="2800" b="0" i="0" u="none" strike="noStrike" kern="1200" cap="none" spc="0" normalizeH="0" baseline="0" noProof="0">
-                <a:ln>
-                  <a:noFill/>
-                </a:ln>
-                <a:solidFill>
-                  <a:prstClr val="white"/>
-                </a:solidFill>
-                <a:effectLst/>
-                <a:uLnTx/>
-                <a:uFillTx/>
-                <a:latin typeface="Consolas"/>
-                <a:ea typeface="微軟正黑體 Light"/>
-                <a:cs typeface="+mn-cs"/>
-              </a:rPr>
-              <a:t>cmd</a:t>
-            </a:r>
-            <a:r>
-              <a:rPr kumimoji="0" lang="zh-TW" altLang="en-US" sz="2800" b="0" i="0" u="none" strike="noStrike" kern="1200" cap="none" spc="0" normalizeH="0" baseline="0" noProof="0">
-                <a:ln>
-                  <a:noFill/>
-                </a:ln>
-                <a:solidFill>
-                  <a:prstClr val="white"/>
-                </a:solidFill>
-                <a:effectLst/>
-                <a:uLnTx/>
-                <a:uFillTx/>
-                <a:latin typeface="Consolas"/>
-                <a:ea typeface="微軟正黑體 Light"/>
-                <a:cs typeface="+mn-cs"/>
-              </a:rPr>
-              <a:t>：</a:t>
-            </a:r>
-            <a:endParaRPr kumimoji="0" lang="en-US" altLang="zh-TW" sz="2800" b="0" i="0" u="none" strike="noStrike" kern="1200" cap="none" spc="0" normalizeH="0" baseline="0" noProof="0">
-              <a:ln>
-                <a:noFill/>
-              </a:ln>
-              <a:solidFill>
-                <a:prstClr val="white"/>
-              </a:solidFill>
-              <a:effectLst/>
-              <a:uLnTx/>
-              <a:uFillTx/>
-              <a:latin typeface="Consolas"/>
-              <a:ea typeface="微軟正黑體 Light"/>
-              <a:cs typeface="+mn-cs"/>
-            </a:endParaRPr>
-          </a:p>
-          <a:p>
-            <a:pPr marL="0" marR="0" lvl="0" indent="0" algn="l" defTabSz="914400" rtl="0" eaLnBrk="1" fontAlgn="auto" latinLnBrk="0" hangingPunct="1">
-              <a:lnSpc>
-                <a:spcPct val="90000"/>
-              </a:lnSpc>
-              <a:spcBef>
-                <a:spcPts val="1000"/>
-              </a:spcBef>
-              <a:spcAft>
-                <a:spcPts val="0"/>
-              </a:spcAft>
-              <a:buClrTx/>
-              <a:buSzTx/>
-              <a:buFont typeface="Arial" panose="020B0604020202020204" pitchFamily="34" charset="0"/>
-              <a:buNone/>
-              <a:tabLst/>
-              <a:defRPr/>
-            </a:pPr>
-            <a:r>
-              <a:rPr kumimoji="0" lang="zh-TW" altLang="en-US" sz="2800" b="0" i="0" u="none" strike="noStrike" kern="1200" cap="none" spc="0" normalizeH="0" baseline="0" noProof="0">
-                <a:ln>
-                  <a:noFill/>
-                </a:ln>
-                <a:solidFill>
-                  <a:prstClr val="white"/>
-                </a:solidFill>
-                <a:effectLst/>
-                <a:uLnTx/>
-                <a:uFillTx/>
-                <a:latin typeface="Consolas"/>
-                <a:ea typeface="微軟正黑體 Light"/>
-                <a:cs typeface="+mn-cs"/>
-              </a:rPr>
-              <a:t>在上方路徑欄輸入 </a:t>
-            </a:r>
-            <a:r>
-              <a:rPr kumimoji="0" lang="en-US" altLang="zh-TW" sz="2800" b="0" i="0" u="none" strike="noStrike" kern="1200" cap="none" spc="0" normalizeH="0" baseline="0" noProof="0">
-                <a:ln>
-                  <a:noFill/>
-                </a:ln>
-                <a:solidFill>
-                  <a:prstClr val="white"/>
-                </a:solidFill>
-                <a:effectLst/>
-                <a:uLnTx/>
-                <a:uFillTx/>
-                <a:latin typeface="Consolas"/>
-                <a:ea typeface="微軟正黑體 Light"/>
-                <a:cs typeface="+mn-cs"/>
-              </a:rPr>
-              <a:t>"cmd" </a:t>
-            </a:r>
-            <a:r>
-              <a:rPr kumimoji="0" lang="zh-TW" altLang="en-US" sz="2800" b="0" i="0" u="none" strike="noStrike" kern="1200" cap="none" spc="0" normalizeH="0" baseline="0" noProof="0">
-                <a:ln>
-                  <a:noFill/>
-                </a:ln>
-                <a:solidFill>
-                  <a:prstClr val="white"/>
-                </a:solidFill>
-                <a:effectLst/>
-                <a:uLnTx/>
-                <a:uFillTx/>
-                <a:latin typeface="Consolas"/>
-                <a:ea typeface="微軟正黑體 Light"/>
-                <a:cs typeface="+mn-cs"/>
-              </a:rPr>
-              <a:t>然後按下 </a:t>
-            </a:r>
-            <a:r>
-              <a:rPr kumimoji="0" lang="en-US" altLang="zh-TW" sz="2800" b="0" i="0" u="none" strike="noStrike" kern="1200" cap="none" spc="0" normalizeH="0" baseline="0" noProof="0">
-                <a:ln>
-                  <a:noFill/>
-                </a:ln>
-                <a:solidFill>
-                  <a:prstClr val="white"/>
-                </a:solidFill>
-                <a:effectLst/>
-                <a:uLnTx/>
-                <a:uFillTx/>
-                <a:latin typeface="Consolas"/>
-                <a:ea typeface="微軟正黑體 Light"/>
-                <a:cs typeface="+mn-cs"/>
-              </a:rPr>
-              <a:t>enter</a:t>
-            </a:r>
-          </a:p>
-        </p:txBody>
-      </p:sp>
-      <p:pic>
-        <p:nvPicPr>
-          <p:cNvPr id="12" name="圖片 11">
-            <a:extLst>
-              <a:ext uri="{FF2B5EF4-FFF2-40B4-BE49-F238E27FC236}">
-                <a16:creationId xmlns:a16="http://schemas.microsoft.com/office/drawing/2014/main" id="{67BD9747-19D3-47AD-9AB9-A5BEC6602F08}"/>
-              </a:ext>
-            </a:extLst>
-          </p:cNvPr>
-          <p:cNvPicPr>
-            <a:picLocks noChangeAspect="1"/>
-          </p:cNvPicPr>
-          <p:nvPr/>
-        </p:nvPicPr>
-        <p:blipFill rotWithShape="1">
-          <a:blip r:embed="rId4"/>
-          <a:srcRect l="305" t="380" r="420" b="59436"/>
-          <a:stretch/>
-        </p:blipFill>
-        <p:spPr>
-          <a:xfrm>
-            <a:off x="859631" y="4186238"/>
-            <a:ext cx="6988969" cy="2212638"/>
-          </a:xfrm>
-          <a:prstGeom prst="rect">
-            <a:avLst/>
-          </a:prstGeom>
-        </p:spPr>
-      </p:pic>
-      <p:sp>
-        <p:nvSpPr>
-          <p:cNvPr id="20" name="矩形: 圓角 19">
-            <a:extLst>
-              <a:ext uri="{FF2B5EF4-FFF2-40B4-BE49-F238E27FC236}">
-                <a16:creationId xmlns:a16="http://schemas.microsoft.com/office/drawing/2014/main" id="{8A466E6A-91E9-4827-9885-50B79A9749FD}"/>
-              </a:ext>
-            </a:extLst>
-          </p:cNvPr>
-          <p:cNvSpPr/>
-          <p:nvPr/>
-        </p:nvSpPr>
-        <p:spPr>
-          <a:xfrm>
-            <a:off x="2681779" y="4576489"/>
-            <a:ext cx="2573711" cy="449262"/>
-          </a:xfrm>
-          <a:prstGeom prst="roundRect">
-            <a:avLst/>
-          </a:prstGeom>
-          <a:noFill/>
-          <a:ln w="28575">
-            <a:solidFill>
-              <a:srgbClr val="FF0000"/>
-            </a:solidFill>
-          </a:ln>
-        </p:spPr>
-        <p:style>
-          <a:lnRef idx="2">
-            <a:schemeClr val="accent1">
-              <a:shade val="50000"/>
-            </a:schemeClr>
-          </a:lnRef>
-          <a:fillRef idx="1">
-            <a:schemeClr val="accent1"/>
-          </a:fillRef>
-          <a:effectRef idx="0">
-            <a:schemeClr val="accent1"/>
-          </a:effectRef>
-          <a:fontRef idx="minor">
-            <a:schemeClr val="lt1"/>
-          </a:fontRef>
-        </p:style>
-        <p:txBody>
-          <a:bodyPr rtlCol="0" anchor="ctr"/>
-          <a:lstStyle/>
-          <a:p>
-            <a:pPr marL="0" marR="0" lvl="0" indent="0" algn="ctr" defTabSz="914400" rtl="0" eaLnBrk="1" fontAlgn="auto" latinLnBrk="0" hangingPunct="1">
-              <a:lnSpc>
-                <a:spcPct val="100000"/>
-              </a:lnSpc>
-              <a:spcBef>
-                <a:spcPts val="0"/>
-              </a:spcBef>
-              <a:spcAft>
-                <a:spcPts val="0"/>
-              </a:spcAft>
-              <a:buClrTx/>
-              <a:buSzTx/>
-              <a:buFontTx/>
-              <a:buNone/>
-              <a:tabLst/>
-              <a:defRPr/>
-            </a:pPr>
-            <a:endParaRPr kumimoji="0" lang="zh-TW" altLang="en-US" sz="1800" b="0" i="0" u="none" strike="noStrike" kern="1200" cap="none" spc="0" normalizeH="0" baseline="0" noProof="0">
-              <a:ln>
-                <a:noFill/>
-              </a:ln>
-              <a:solidFill>
-                <a:prstClr val="white"/>
-              </a:solidFill>
-              <a:effectLst/>
-              <a:uLnTx/>
-              <a:uFillTx/>
-              <a:latin typeface="Consolas"/>
-              <a:ea typeface="微軟正黑體 Light"/>
-              <a:cs typeface="+mn-cs"/>
-            </a:endParaRPr>
-          </a:p>
-        </p:txBody>
-      </p:sp>
-    </p:spTree>
-    <p:extLst>
-      <p:ext uri="{BB962C8B-B14F-4D97-AF65-F5344CB8AC3E}">
-        <p14:creationId xmlns:p14="http://schemas.microsoft.com/office/powerpoint/2010/main" val="4170020892"/>
       </p:ext>
     </p:extLst>
   </p:cSld>

--- a/ppt/03_編輯器與第一個 Java 程式.pptx
+++ b/ppt/03_編輯器與第一個 Java 程式.pptx
@@ -214,7 +214,7 @@
           <a:p>
             <a:fld id="{7CB51037-9A88-43F8-8062-A2DDD941B0DA}" type="datetimeFigureOut">
               <a:rPr lang="zh-TW" altLang="en-US" smtClean="0"/>
-              <a:t>2024/9/12</a:t>
+              <a:t>2024/11/3</a:t>
             </a:fld>
             <a:endParaRPr lang="zh-TW" altLang="en-US"/>
           </a:p>
@@ -3690,21 +3690,19 @@
             <p:ph type="ctrTitle"/>
           </p:nvPr>
         </p:nvSpPr>
-        <p:spPr/>
+        <p:spPr>
+          <a:xfrm>
+            <a:off x="1281953" y="1122363"/>
+            <a:ext cx="9628094" cy="2387600"/>
+          </a:xfrm>
+        </p:spPr>
         <p:txBody>
           <a:bodyPr/>
           <a:lstStyle/>
           <a:p>
             <a:r>
               <a:rPr lang="zh-TW" altLang="en-US"/>
-              <a:t>編輯器與</a:t>
-            </a:r>
-            <a:br>
-              <a:rPr lang="en-US" altLang="zh-TW"/>
-            </a:br>
-            <a:r>
-              <a:rPr lang="zh-TW" altLang="en-US"/>
-              <a:t>第一個</a:t>
+              <a:t>編輯器與第一個</a:t>
             </a:r>
             <a:r>
               <a:rPr lang="en-US" altLang="zh-TW"/>

--- a/ppt/03_編輯器與第一個 Java 程式.pptx
+++ b/ppt/03_編輯器與第一個 Java 程式.pptx
@@ -2,7 +2,7 @@
 <file path=ppt/presentation.xml><?xml version="1.0" encoding="utf-8"?>
 <p:presentation xmlns:a="http://schemas.openxmlformats.org/drawingml/2006/main" xmlns:r="http://schemas.openxmlformats.org/officeDocument/2006/relationships" xmlns:p="http://schemas.openxmlformats.org/presentationml/2006/main" saveSubsetFonts="1">
   <p:sldMasterIdLst>
-    <p:sldMasterId id="2147483709" r:id="rId1"/>
+    <p:sldMasterId id="2147483719" r:id="rId1"/>
   </p:sldMasterIdLst>
   <p:notesMasterIdLst>
     <p:notesMasterId r:id="rId20"/>
@@ -214,7 +214,7 @@
           <a:p>
             <a:fld id="{7CB51037-9A88-43F8-8062-A2DDD941B0DA}" type="datetimeFigureOut">
               <a:rPr lang="zh-TW" altLang="en-US" smtClean="0"/>
-              <a:t>2024/11/3</a:t>
+              <a:t>2025/2/11</a:t>
             </a:fld>
             <a:endParaRPr lang="zh-TW" altLang="en-US"/>
           </a:p>
@@ -2117,7 +2117,7 @@
     </p:spTree>
     <p:extLst>
       <p:ext uri="{BB962C8B-B14F-4D97-AF65-F5344CB8AC3E}">
-        <p14:creationId xmlns:p14="http://schemas.microsoft.com/office/powerpoint/2010/main" val="833631951"/>
+        <p14:creationId xmlns:p14="http://schemas.microsoft.com/office/powerpoint/2010/main" val="2982117051"/>
       </p:ext>
     </p:extLst>
   </p:cSld>
@@ -2501,7 +2501,7 @@
     </p:spTree>
     <p:extLst>
       <p:ext uri="{BB962C8B-B14F-4D97-AF65-F5344CB8AC3E}">
-        <p14:creationId xmlns:p14="http://schemas.microsoft.com/office/powerpoint/2010/main" val="4137013862"/>
+        <p14:creationId xmlns:p14="http://schemas.microsoft.com/office/powerpoint/2010/main" val="410661637"/>
       </p:ext>
     </p:extLst>
   </p:cSld>
@@ -2828,7 +2828,7 @@
     </p:spTree>
     <p:extLst>
       <p:ext uri="{BB962C8B-B14F-4D97-AF65-F5344CB8AC3E}">
-        <p14:creationId xmlns:p14="http://schemas.microsoft.com/office/powerpoint/2010/main" val="3940762730"/>
+        <p14:creationId xmlns:p14="http://schemas.microsoft.com/office/powerpoint/2010/main" val="3582384972"/>
       </p:ext>
     </p:extLst>
   </p:cSld>
@@ -3127,7 +3127,7 @@
     </p:spTree>
     <p:extLst>
       <p:ext uri="{BB962C8B-B14F-4D97-AF65-F5344CB8AC3E}">
-        <p14:creationId xmlns:p14="http://schemas.microsoft.com/office/powerpoint/2010/main" val="2708962244"/>
+        <p14:creationId xmlns:p14="http://schemas.microsoft.com/office/powerpoint/2010/main" val="593097231"/>
       </p:ext>
     </p:extLst>
   </p:cSld>
@@ -3360,16 +3360,16 @@
     </p:spTree>
     <p:extLst>
       <p:ext uri="{BB962C8B-B14F-4D97-AF65-F5344CB8AC3E}">
-        <p14:creationId xmlns:p14="http://schemas.microsoft.com/office/powerpoint/2010/main" val="2812084148"/>
+        <p14:creationId xmlns:p14="http://schemas.microsoft.com/office/powerpoint/2010/main" val="1612098554"/>
       </p:ext>
     </p:extLst>
   </p:cSld>
   <p:clrMap bg1="dk1" tx1="lt1" bg2="dk2" tx2="lt2" accent1="accent1" accent2="accent2" accent3="accent3" accent4="accent4" accent5="accent5" accent6="accent6" hlink="hlink" folHlink="folHlink"/>
   <p:sldLayoutIdLst>
-    <p:sldLayoutId id="2147483710" r:id="rId1"/>
-    <p:sldLayoutId id="2147483711" r:id="rId2"/>
-    <p:sldLayoutId id="2147483712" r:id="rId3"/>
-    <p:sldLayoutId id="2147483713" r:id="rId4"/>
+    <p:sldLayoutId id="2147483720" r:id="rId1"/>
+    <p:sldLayoutId id="2147483721" r:id="rId2"/>
+    <p:sldLayoutId id="2147483722" r:id="rId3"/>
+    <p:sldLayoutId id="2147483723" r:id="rId4"/>
   </p:sldLayoutIdLst>
   <p:transition spd="slow">
     <p:push dir="u"/>
@@ -25906,7 +25906,7 @@
   <a:extraClrSchemeLst/>
   <a:extLst>
     <a:ext uri="{05A4C25C-085E-4340-85A3-A5531E510DB2}">
-      <thm15:themeFamily xmlns:thm15="http://schemas.microsoft.com/office/thememl/2012/main" name="TYIC" id="{1CBE48E2-41FD-4EDA-8801-606A138B7FC3}" vid="{F6EAACDE-0833-4468-B256-0551E0034979}"/>
+      <thm15:themeFamily xmlns:thm15="http://schemas.microsoft.com/office/thememl/2012/main" name="TYIC" id="{F8B8016E-470C-4FE5-A78C-33B2A9D17434}" vid="{BC6C4CDA-A093-4978-B969-B6482D48D481}"/>
     </a:ext>
   </a:extLst>
 </a:theme>

--- a/ppt/03_編輯器與第一個 Java 程式.pptx
+++ b/ppt/03_編輯器與第一個 Java 程式.pptx
@@ -214,7 +214,7 @@
           <a:p>
             <a:fld id="{7CB51037-9A88-43F8-8062-A2DDD941B0DA}" type="datetimeFigureOut">
               <a:rPr lang="zh-TW" altLang="en-US" smtClean="0"/>
-              <a:t>2025/2/11</a:t>
+              <a:t>2025/2/12</a:t>
             </a:fld>
             <a:endParaRPr lang="zh-TW" altLang="en-US"/>
           </a:p>
@@ -3835,8 +3835,14 @@
               <p:nvPr/>
             </p:nvPicPr>
             <p:blipFill rotWithShape="1">
-              <a:blip r:embed="rId3"/>
-              <a:srcRect b="862"/>
+              <a:blip r:embed="rId3" cstate="hqprint">
+                <a:extLst>
+                  <a:ext uri="{28A0092B-C50C-407E-A947-70E740481C1C}">
+                    <a14:useLocalDpi xmlns:a14="http://schemas.microsoft.com/office/drawing/2010/main"/>
+                  </a:ext>
+                </a:extLst>
+              </a:blip>
+              <a:srcRect/>
               <a:stretch/>
             </p:blipFill>
             <p:spPr>
@@ -4092,10 +4098,10 @@
             <p:nvPr/>
           </p:nvPicPr>
           <p:blipFill>
-            <a:blip r:embed="rId7">
+            <a:blip r:embed="rId7" cstate="hqprint">
               <a:extLst>
                 <a:ext uri="{28A0092B-C50C-407E-A947-70E740481C1C}">
-                  <a14:useLocalDpi xmlns:a14="http://schemas.microsoft.com/office/drawing/2010/main" val="0"/>
+                  <a14:useLocalDpi xmlns:a14="http://schemas.microsoft.com/office/drawing/2010/main"/>
                 </a:ext>
               </a:extLst>
             </a:blip>
@@ -6636,10 +6642,10 @@
             <p:nvPr/>
           </p:nvPicPr>
           <p:blipFill>
-            <a:blip r:embed="rId3">
+            <a:blip r:embed="rId3" cstate="hqprint">
               <a:extLst>
                 <a:ext uri="{28A0092B-C50C-407E-A947-70E740481C1C}">
-                  <a14:useLocalDpi xmlns:a14="http://schemas.microsoft.com/office/drawing/2010/main" val="0"/>
+                  <a14:useLocalDpi xmlns:a14="http://schemas.microsoft.com/office/drawing/2010/main"/>
                 </a:ext>
               </a:extLst>
             </a:blip>
@@ -7398,10 +7404,10 @@
             <p:nvPr/>
           </p:nvPicPr>
           <p:blipFill rotWithShape="1">
-            <a:blip r:embed="rId2">
+            <a:blip r:embed="rId2" cstate="hqprint">
               <a:extLst>
                 <a:ext uri="{28A0092B-C50C-407E-A947-70E740481C1C}">
-                  <a14:useLocalDpi xmlns:a14="http://schemas.microsoft.com/office/drawing/2010/main" val="0"/>
+                  <a14:useLocalDpi xmlns:a14="http://schemas.microsoft.com/office/drawing/2010/main"/>
                 </a:ext>
                 <a:ext uri="{96DAC541-7B7A-43D3-8B79-37D633B846F1}">
                   <asvg:svgBlip xmlns:asvg="http://schemas.microsoft.com/office/drawing/2016/SVG/main" r:embed="rId3"/>
@@ -7439,7 +7445,7 @@
             <a:blip r:embed="rId4">
               <a:extLst>
                 <a:ext uri="{28A0092B-C50C-407E-A947-70E740481C1C}">
-                  <a14:useLocalDpi xmlns:a14="http://schemas.microsoft.com/office/drawing/2010/main" val="0"/>
+                  <a14:useLocalDpi xmlns:a14="http://schemas.microsoft.com/office/drawing/2010/main"/>
                 </a:ext>
               </a:extLst>
             </a:blip>
@@ -7475,7 +7481,7 @@
             <a:blip r:embed="rId4">
               <a:extLst>
                 <a:ext uri="{28A0092B-C50C-407E-A947-70E740481C1C}">
-                  <a14:useLocalDpi xmlns:a14="http://schemas.microsoft.com/office/drawing/2010/main" val="0"/>
+                  <a14:useLocalDpi xmlns:a14="http://schemas.microsoft.com/office/drawing/2010/main"/>
                 </a:ext>
               </a:extLst>
             </a:blip>
@@ -8444,10 +8450,10 @@
             <p:nvPr/>
           </p:nvPicPr>
           <p:blipFill>
-            <a:blip r:embed="rId4">
+            <a:blip r:embed="rId4" cstate="hqprint">
               <a:extLst>
                 <a:ext uri="{28A0092B-C50C-407E-A947-70E740481C1C}">
-                  <a14:useLocalDpi xmlns:a14="http://schemas.microsoft.com/office/drawing/2010/main" val="0"/>
+                  <a14:useLocalDpi xmlns:a14="http://schemas.microsoft.com/office/drawing/2010/main"/>
                 </a:ext>
               </a:extLst>
             </a:blip>
@@ -9705,10 +9711,10 @@
               <p:nvPr/>
             </p:nvPicPr>
             <p:blipFill>
-              <a:blip r:embed="rId3">
+              <a:blip r:embed="rId3" cstate="hqprint">
                 <a:extLst>
                   <a:ext uri="{28A0092B-C50C-407E-A947-70E740481C1C}">
-                    <a14:useLocalDpi xmlns:a14="http://schemas.microsoft.com/office/drawing/2010/main" val="0"/>
+                    <a14:useLocalDpi xmlns:a14="http://schemas.microsoft.com/office/drawing/2010/main"/>
                   </a:ext>
                 </a:extLst>
               </a:blip>
@@ -9962,10 +9968,10 @@
                 <p:nvPr/>
               </p:nvPicPr>
               <p:blipFill>
-                <a:blip r:embed="rId4">
+                <a:blip r:embed="rId4" cstate="hqprint">
                   <a:extLst>
                     <a:ext uri="{28A0092B-C50C-407E-A947-70E740481C1C}">
-                      <a14:useLocalDpi xmlns:a14="http://schemas.microsoft.com/office/drawing/2010/main" val="0"/>
+                      <a14:useLocalDpi xmlns:a14="http://schemas.microsoft.com/office/drawing/2010/main"/>
                     </a:ext>
                   </a:extLst>
                 </a:blip>
@@ -10180,10 +10186,10 @@
               <p:nvPr/>
             </p:nvPicPr>
             <p:blipFill rotWithShape="1">
-              <a:blip r:embed="rId5">
+              <a:blip r:embed="rId5" cstate="hqprint">
                 <a:extLst>
                   <a:ext uri="{28A0092B-C50C-407E-A947-70E740481C1C}">
-                    <a14:useLocalDpi xmlns:a14="http://schemas.microsoft.com/office/drawing/2010/main" val="0"/>
+                    <a14:useLocalDpi xmlns:a14="http://schemas.microsoft.com/office/drawing/2010/main"/>
                   </a:ext>
                   <a:ext uri="{96DAC541-7B7A-43D3-8B79-37D633B846F1}">
                     <asvg:svgBlip xmlns:asvg="http://schemas.microsoft.com/office/drawing/2016/SVG/main" r:embed="rId6"/>
@@ -10430,10 +10436,10 @@
               <p:nvPr/>
             </p:nvPicPr>
             <p:blipFill rotWithShape="1">
-              <a:blip r:embed="rId5">
+              <a:blip r:embed="rId5" cstate="hqprint">
                 <a:extLst>
                   <a:ext uri="{28A0092B-C50C-407E-A947-70E740481C1C}">
-                    <a14:useLocalDpi xmlns:a14="http://schemas.microsoft.com/office/drawing/2010/main" val="0"/>
+                    <a14:useLocalDpi xmlns:a14="http://schemas.microsoft.com/office/drawing/2010/main"/>
                   </a:ext>
                   <a:ext uri="{96DAC541-7B7A-43D3-8B79-37D633B846F1}">
                     <asvg:svgBlip xmlns:asvg="http://schemas.microsoft.com/office/drawing/2016/SVG/main" r:embed="rId6"/>
@@ -12886,8 +12892,14 @@
           <p:nvPr/>
         </p:nvPicPr>
         <p:blipFill rotWithShape="1">
-          <a:blip r:embed="rId4"/>
-          <a:srcRect l="305" t="380" r="420" b="59436"/>
+          <a:blip r:embed="rId4" cstate="hqprint">
+            <a:extLst>
+              <a:ext uri="{28A0092B-C50C-407E-A947-70E740481C1C}">
+                <a14:useLocalDpi xmlns:a14="http://schemas.microsoft.com/office/drawing/2010/main"/>
+              </a:ext>
+            </a:extLst>
+          </a:blip>
+          <a:srcRect/>
           <a:stretch/>
         </p:blipFill>
         <p:spPr>
@@ -13545,8 +13557,14 @@
           <p:nvPr/>
         </p:nvPicPr>
         <p:blipFill rotWithShape="1">
-          <a:blip r:embed="rId3"/>
-          <a:srcRect t="2422" r="1289" b="5339"/>
+          <a:blip r:embed="rId3" cstate="hqprint">
+            <a:extLst>
+              <a:ext uri="{28A0092B-C50C-407E-A947-70E740481C1C}">
+                <a14:useLocalDpi xmlns:a14="http://schemas.microsoft.com/office/drawing/2010/main"/>
+              </a:ext>
+            </a:extLst>
+          </a:blip>
+          <a:srcRect/>
           <a:stretch/>
         </p:blipFill>
         <p:spPr>
@@ -14700,10 +14718,10 @@
               <p:nvPr/>
             </p:nvPicPr>
             <p:blipFill>
-              <a:blip r:embed="rId2">
+              <a:blip r:embed="rId2" cstate="hqprint">
                 <a:extLst>
                   <a:ext uri="{28A0092B-C50C-407E-A947-70E740481C1C}">
-                    <a14:useLocalDpi xmlns:a14="http://schemas.microsoft.com/office/drawing/2010/main" val="0"/>
+                    <a14:useLocalDpi xmlns:a14="http://schemas.microsoft.com/office/drawing/2010/main"/>
                   </a:ext>
                 </a:extLst>
               </a:blip>
@@ -14990,7 +15008,7 @@
               <a:blip r:embed="rId3">
                 <a:extLst>
                   <a:ext uri="{28A0092B-C50C-407E-A947-70E740481C1C}">
-                    <a14:useLocalDpi xmlns:a14="http://schemas.microsoft.com/office/drawing/2010/main" val="0"/>
+                    <a14:useLocalDpi xmlns:a14="http://schemas.microsoft.com/office/drawing/2010/main"/>
                   </a:ext>
                   <a:ext uri="{96DAC541-7B7A-43D3-8B79-37D633B846F1}">
                     <asvg:svgBlip xmlns:asvg="http://schemas.microsoft.com/office/drawing/2016/SVG/main" r:embed="rId4"/>
@@ -15266,7 +15284,7 @@
               <a:blip r:embed="rId5">
                 <a:extLst>
                   <a:ext uri="{28A0092B-C50C-407E-A947-70E740481C1C}">
-                    <a14:useLocalDpi xmlns:a14="http://schemas.microsoft.com/office/drawing/2010/main" val="0"/>
+                    <a14:useLocalDpi xmlns:a14="http://schemas.microsoft.com/office/drawing/2010/main"/>
                   </a:ext>
                   <a:ext uri="{96DAC541-7B7A-43D3-8B79-37D633B846F1}">
                     <asvg:svgBlip xmlns:asvg="http://schemas.microsoft.com/office/drawing/2016/SVG/main" r:embed="rId6"/>
@@ -15787,7 +15805,7 @@
               <a:blip r:embed="rId3">
                 <a:extLst>
                   <a:ext uri="{28A0092B-C50C-407E-A947-70E740481C1C}">
-                    <a14:useLocalDpi xmlns:a14="http://schemas.microsoft.com/office/drawing/2010/main" val="0"/>
+                    <a14:useLocalDpi xmlns:a14="http://schemas.microsoft.com/office/drawing/2010/main"/>
                   </a:ext>
                   <a:ext uri="{96DAC541-7B7A-43D3-8B79-37D633B846F1}">
                     <asvg:svgBlip xmlns:asvg="http://schemas.microsoft.com/office/drawing/2016/SVG/main" r:embed="rId4"/>
@@ -16038,7 +16056,7 @@
               <a:blip r:embed="rId5">
                 <a:extLst>
                   <a:ext uri="{28A0092B-C50C-407E-A947-70E740481C1C}">
-                    <a14:useLocalDpi xmlns:a14="http://schemas.microsoft.com/office/drawing/2010/main" val="0"/>
+                    <a14:useLocalDpi xmlns:a14="http://schemas.microsoft.com/office/drawing/2010/main"/>
                   </a:ext>
                   <a:ext uri="{96DAC541-7B7A-43D3-8B79-37D633B846F1}">
                     <asvg:svgBlip xmlns:asvg="http://schemas.microsoft.com/office/drawing/2016/SVG/main" r:embed="rId6"/>
@@ -16352,10 +16370,10 @@
               <p:nvPr/>
             </p:nvPicPr>
             <p:blipFill>
-              <a:blip r:embed="rId7">
+              <a:blip r:embed="rId7" cstate="hqprint">
                 <a:extLst>
                   <a:ext uri="{28A0092B-C50C-407E-A947-70E740481C1C}">
-                    <a14:useLocalDpi xmlns:a14="http://schemas.microsoft.com/office/drawing/2010/main" val="0"/>
+                    <a14:useLocalDpi xmlns:a14="http://schemas.microsoft.com/office/drawing/2010/main"/>
                   </a:ext>
                 </a:extLst>
               </a:blip>
@@ -17319,10 +17337,10 @@
             <p:nvPr/>
           </p:nvPicPr>
           <p:blipFill>
-            <a:blip r:embed="rId4">
+            <a:blip r:embed="rId4" cstate="hqprint">
               <a:extLst>
                 <a:ext uri="{28A0092B-C50C-407E-A947-70E740481C1C}">
-                  <a14:useLocalDpi xmlns:a14="http://schemas.microsoft.com/office/drawing/2010/main" val="0"/>
+                  <a14:useLocalDpi xmlns:a14="http://schemas.microsoft.com/office/drawing/2010/main"/>
                 </a:ext>
               </a:extLst>
             </a:blip>
@@ -23199,8 +23217,14 @@
           <p:nvPr/>
         </p:nvPicPr>
         <p:blipFill rotWithShape="1">
-          <a:blip r:embed="rId3"/>
-          <a:srcRect b="9302"/>
+          <a:blip r:embed="rId3" cstate="hqprint">
+            <a:extLst>
+              <a:ext uri="{28A0092B-C50C-407E-A947-70E740481C1C}">
+                <a14:useLocalDpi xmlns:a14="http://schemas.microsoft.com/office/drawing/2010/main"/>
+              </a:ext>
+            </a:extLst>
+          </a:blip>
+          <a:srcRect/>
           <a:stretch/>
         </p:blipFill>
         <p:spPr>

--- a/ppt/03_編輯器與第一個 Java 程式.pptx
+++ b/ppt/03_編輯器與第一個 Java 程式.pptx
@@ -2,7 +2,7 @@
 <file path=ppt/presentation.xml><?xml version="1.0" encoding="utf-8"?>
 <p:presentation xmlns:a="http://schemas.openxmlformats.org/drawingml/2006/main" xmlns:r="http://schemas.openxmlformats.org/officeDocument/2006/relationships" xmlns:p="http://schemas.openxmlformats.org/presentationml/2006/main" saveSubsetFonts="1">
   <p:sldMasterIdLst>
-    <p:sldMasterId id="2147483719" r:id="rId1"/>
+    <p:sldMasterId id="2147483724" r:id="rId1"/>
   </p:sldMasterIdLst>
   <p:notesMasterIdLst>
     <p:notesMasterId r:id="rId20"/>
@@ -214,7 +214,7 @@
           <a:p>
             <a:fld id="{7CB51037-9A88-43F8-8062-A2DDD941B0DA}" type="datetimeFigureOut">
               <a:rPr lang="zh-TW" altLang="en-US" smtClean="0"/>
-              <a:t>2025/2/12</a:t>
+              <a:t>2025/2/28</a:t>
             </a:fld>
             <a:endParaRPr lang="zh-TW" altLang="en-US"/>
           </a:p>
@@ -2117,14 +2117,14 @@
     </p:spTree>
     <p:extLst>
       <p:ext uri="{BB962C8B-B14F-4D97-AF65-F5344CB8AC3E}">
-        <p14:creationId xmlns:p14="http://schemas.microsoft.com/office/powerpoint/2010/main" val="2982117051"/>
+        <p14:creationId xmlns:p14="http://schemas.microsoft.com/office/powerpoint/2010/main" val="2982922194"/>
       </p:ext>
     </p:extLst>
   </p:cSld>
   <p:clrMapOvr>
     <a:masterClrMapping/>
   </p:clrMapOvr>
-  <p:transition spd="slow">
+  <p:transition>
     <p:push dir="u"/>
   </p:transition>
 </p:sldLayout>
@@ -2501,14 +2501,14 @@
     </p:spTree>
     <p:extLst>
       <p:ext uri="{BB962C8B-B14F-4D97-AF65-F5344CB8AC3E}">
-        <p14:creationId xmlns:p14="http://schemas.microsoft.com/office/powerpoint/2010/main" val="410661637"/>
+        <p14:creationId xmlns:p14="http://schemas.microsoft.com/office/powerpoint/2010/main" val="3120322574"/>
       </p:ext>
     </p:extLst>
   </p:cSld>
   <p:clrMapOvr>
     <a:masterClrMapping/>
   </p:clrMapOvr>
-  <p:transition spd="slow">
+  <p:transition>
     <p:push dir="u"/>
   </p:transition>
 </p:sldLayout>
@@ -2828,14 +2828,14 @@
     </p:spTree>
     <p:extLst>
       <p:ext uri="{BB962C8B-B14F-4D97-AF65-F5344CB8AC3E}">
-        <p14:creationId xmlns:p14="http://schemas.microsoft.com/office/powerpoint/2010/main" val="3582384972"/>
+        <p14:creationId xmlns:p14="http://schemas.microsoft.com/office/powerpoint/2010/main" val="3110578299"/>
       </p:ext>
     </p:extLst>
   </p:cSld>
   <p:clrMapOvr>
     <a:masterClrMapping/>
   </p:clrMapOvr>
-  <p:transition spd="slow">
+  <p:transition>
     <p:push dir="u"/>
   </p:transition>
 </p:sldLayout>
@@ -3127,14 +3127,14 @@
     </p:spTree>
     <p:extLst>
       <p:ext uri="{BB962C8B-B14F-4D97-AF65-F5344CB8AC3E}">
-        <p14:creationId xmlns:p14="http://schemas.microsoft.com/office/powerpoint/2010/main" val="593097231"/>
+        <p14:creationId xmlns:p14="http://schemas.microsoft.com/office/powerpoint/2010/main" val="1057974460"/>
       </p:ext>
     </p:extLst>
   </p:cSld>
   <p:clrMapOvr>
     <a:masterClrMapping/>
   </p:clrMapOvr>
-  <p:transition spd="slow">
+  <p:transition>
     <p:push dir="u"/>
   </p:transition>
 </p:sldLayout>
@@ -3360,18 +3360,18 @@
     </p:spTree>
     <p:extLst>
       <p:ext uri="{BB962C8B-B14F-4D97-AF65-F5344CB8AC3E}">
-        <p14:creationId xmlns:p14="http://schemas.microsoft.com/office/powerpoint/2010/main" val="1612098554"/>
+        <p14:creationId xmlns:p14="http://schemas.microsoft.com/office/powerpoint/2010/main" val="1285094416"/>
       </p:ext>
     </p:extLst>
   </p:cSld>
   <p:clrMap bg1="dk1" tx1="lt1" bg2="dk2" tx2="lt2" accent1="accent1" accent2="accent2" accent3="accent3" accent4="accent4" accent5="accent5" accent6="accent6" hlink="hlink" folHlink="folHlink"/>
   <p:sldLayoutIdLst>
-    <p:sldLayoutId id="2147483720" r:id="rId1"/>
-    <p:sldLayoutId id="2147483721" r:id="rId2"/>
-    <p:sldLayoutId id="2147483722" r:id="rId3"/>
-    <p:sldLayoutId id="2147483723" r:id="rId4"/>
+    <p:sldLayoutId id="2147483725" r:id="rId1"/>
+    <p:sldLayoutId id="2147483726" r:id="rId2"/>
+    <p:sldLayoutId id="2147483727" r:id="rId3"/>
+    <p:sldLayoutId id="2147483728" r:id="rId4"/>
   </p:sldLayoutIdLst>
-  <p:transition spd="slow">
+  <p:transition>
     <p:push dir="u"/>
   </p:transition>
   <p:txStyles>
@@ -3757,7 +3757,7 @@
   <p:clrMapOvr>
     <a:masterClrMapping/>
   </p:clrMapOvr>
-  <p:transition spd="slow">
+  <p:transition>
     <p:push dir="u"/>
   </p:transition>
 </p:sld>
@@ -5842,7 +5842,7 @@
   <p:clrMapOvr>
     <a:masterClrMapping/>
   </p:clrMapOvr>
-  <p:transition spd="slow">
+  <p:transition>
     <p:push dir="u"/>
   </p:transition>
 </p:sld>
@@ -7071,7 +7071,7 @@
   <p:clrMapOvr>
     <a:masterClrMapping/>
   </p:clrMapOvr>
-  <p:transition spd="slow">
+  <p:transition>
     <p:push dir="u"/>
   </p:transition>
 </p:sld>
@@ -7510,7 +7510,7 @@
   <p:clrMapOvr>
     <a:masterClrMapping/>
   </p:clrMapOvr>
-  <p:transition spd="slow">
+  <p:transition>
     <p:push dir="u"/>
   </p:transition>
 </p:sld>
@@ -8561,7 +8561,7 @@
   <p:clrMapOvr>
     <a:masterClrMapping/>
   </p:clrMapOvr>
-  <p:transition spd="slow">
+  <p:transition>
     <p:push dir="u"/>
   </p:transition>
 </p:sld>
@@ -10563,7 +10563,7 @@
   <p:clrMapOvr>
     <a:masterClrMapping/>
   </p:clrMapOvr>
-  <p:transition spd="slow">
+  <p:transition>
     <p:push dir="u"/>
   </p:transition>
 </p:sld>
@@ -11882,7 +11882,7 @@
   <p:clrMapOvr>
     <a:masterClrMapping/>
   </p:clrMapOvr>
-  <p:transition spd="slow">
+  <p:transition>
     <p:push dir="u"/>
   </p:transition>
 </p:sld>
@@ -12113,7 +12113,7 @@
   <p:clrMapOvr>
     <a:masterClrMapping/>
   </p:clrMapOvr>
-  <p:transition spd="slow">
+  <p:transition>
     <p:push dir="u"/>
   </p:transition>
 </p:sld>
@@ -13003,7 +13003,7 @@
   <p:clrMapOvr>
     <a:masterClrMapping/>
   </p:clrMapOvr>
-  <p:transition spd="slow">
+  <p:transition>
     <p:push dir="u"/>
   </p:transition>
 </p:sld>
@@ -14608,7 +14608,7 @@
   <p:clrMapOvr>
     <a:masterClrMapping/>
   </p:clrMapOvr>
-  <p:transition spd="slow">
+  <p:transition>
     <p:push dir="u"/>
   </p:transition>
 </p:sld>
@@ -15480,7 +15480,7 @@
   <p:clrMapOvr>
     <a:masterClrMapping/>
   </p:clrMapOvr>
-  <p:transition spd="slow">
+  <p:transition>
     <p:push dir="u"/>
   </p:transition>
 </p:sld>
@@ -16403,7 +16403,7 @@
   <p:clrMapOvr>
     <a:masterClrMapping/>
   </p:clrMapOvr>
-  <p:transition spd="slow">
+  <p:transition>
     <p:push dir="u"/>
   </p:transition>
 </p:sld>
@@ -17448,7 +17448,7 @@
   <p:clrMapOvr>
     <a:masterClrMapping/>
   </p:clrMapOvr>
-  <p:transition spd="slow">
+  <p:transition>
     <p:push dir="u"/>
   </p:transition>
 </p:sld>
@@ -17680,7 +17680,7 @@
   <p:clrMapOvr>
     <a:masterClrMapping/>
   </p:clrMapOvr>
-  <p:transition spd="slow">
+  <p:transition>
     <p:push dir="u"/>
   </p:transition>
 </p:sld>
@@ -18196,7 +18196,7 @@
   <p:clrMapOvr>
     <a:masterClrMapping/>
   </p:clrMapOvr>
-  <p:transition spd="slow">
+  <p:transition>
     <p:push dir="u"/>
   </p:transition>
   <p:timing>
@@ -21442,7 +21442,7 @@
   <p:clrMapOvr>
     <a:masterClrMapping/>
   </p:clrMapOvr>
-  <p:transition spd="slow">
+  <p:transition>
     <p:push dir="u"/>
   </p:transition>
   <p:timing>
@@ -25930,7 +25930,7 @@
   <a:extraClrSchemeLst/>
   <a:extLst>
     <a:ext uri="{05A4C25C-085E-4340-85A3-A5531E510DB2}">
-      <thm15:themeFamily xmlns:thm15="http://schemas.microsoft.com/office/thememl/2012/main" name="TYIC" id="{F8B8016E-470C-4FE5-A78C-33B2A9D17434}" vid="{BC6C4CDA-A093-4978-B969-B6482D48D481}"/>
+      <thm15:themeFamily xmlns:thm15="http://schemas.microsoft.com/office/thememl/2012/main" name="TYIC" id="{5F22F33A-EA50-4F22-9F2C-8A64A179567F}" vid="{3247D5A2-1B78-4AF4-9AA5-9AF4332DE771}"/>
     </a:ext>
   </a:extLst>
 </a:theme>
